--- a/projects/ironhack-final-project/src/presentation/final-project-slides.pptx
+++ b/projects/ironhack-final-project/src/presentation/final-project-slides.pptx
@@ -13,68 +13,65 @@
     <p:sldId id="258" r:id="rId6"/>
     <p:sldId id="259" r:id="rId7"/>
     <p:sldId id="260" r:id="rId8"/>
-    <p:sldId id="261" r:id="rId9"/>
-    <p:sldId id="262" r:id="rId10"/>
-    <p:sldId id="263" r:id="rId11"/>
+    <p:sldId id="263" r:id="rId9"/>
+    <p:sldId id="292" r:id="rId10"/>
+    <p:sldId id="290" r:id="rId11"/>
     <p:sldId id="264" r:id="rId12"/>
     <p:sldId id="265" r:id="rId13"/>
     <p:sldId id="266" r:id="rId14"/>
-    <p:sldId id="267" r:id="rId15"/>
-    <p:sldId id="268" r:id="rId16"/>
-    <p:sldId id="269" r:id="rId17"/>
-    <p:sldId id="270" r:id="rId18"/>
-    <p:sldId id="271" r:id="rId19"/>
-    <p:sldId id="272" r:id="rId20"/>
+    <p:sldId id="268" r:id="rId15"/>
+    <p:sldId id="269" r:id="rId16"/>
+    <p:sldId id="270" r:id="rId17"/>
+    <p:sldId id="271" r:id="rId18"/>
+    <p:sldId id="272" r:id="rId19"/>
+    <p:sldId id="291" r:id="rId20"/>
     <p:sldId id="273" r:id="rId21"/>
-    <p:sldId id="274" r:id="rId22"/>
-    <p:sldId id="275" r:id="rId23"/>
-    <p:sldId id="276" r:id="rId24"/>
-    <p:sldId id="277" r:id="rId25"/>
-    <p:sldId id="278" r:id="rId26"/>
-    <p:sldId id="279" r:id="rId27"/>
-    <p:sldId id="280" r:id="rId28"/>
-    <p:sldId id="281" r:id="rId29"/>
-    <p:sldId id="282" r:id="rId30"/>
-    <p:sldId id="283" r:id="rId31"/>
-    <p:sldId id="284" r:id="rId32"/>
-    <p:sldId id="285" r:id="rId33"/>
+    <p:sldId id="277" r:id="rId22"/>
+    <p:sldId id="278" r:id="rId23"/>
+    <p:sldId id="279" r:id="rId24"/>
+    <p:sldId id="280" r:id="rId25"/>
+    <p:sldId id="281" r:id="rId26"/>
+    <p:sldId id="282" r:id="rId27"/>
+    <p:sldId id="283" r:id="rId28"/>
+    <p:sldId id="284" r:id="rId29"/>
+    <p:sldId id="285" r:id="rId30"/>
   </p:sldIdLst>
   <p:sldSz cx="9144000" cy="5143500"/>
   <p:notesSz cx="6858000" cy="9144000"/>
   <p:embeddedFontLst>
     <p:embeddedFont>
       <p:font typeface="Proxima Nova" panose="02000506030000020004"/>
-      <p:regular r:id="rId37"/>
+      <p:regular r:id="rId34"/>
     </p:embeddedFont>
     <p:embeddedFont>
       <p:font typeface="Raleway Medium"/>
-      <p:regular r:id="rId38"/>
+      <p:regular r:id="rId35"/>
     </p:embeddedFont>
     <p:embeddedFont>
       <p:font typeface="Raleway"/>
-      <p:regular r:id="rId39"/>
-      <p:bold r:id="rId40"/>
-      <p:italic r:id="rId41"/>
-      <p:boldItalic r:id="rId42"/>
+      <p:regular r:id="rId36"/>
+      <p:bold r:id="rId37"/>
+      <p:italic r:id="rId38"/>
+      <p:boldItalic r:id="rId39"/>
     </p:embeddedFont>
     <p:embeddedFont>
       <p:font typeface="Work Sans"/>
-      <p:regular r:id="rId43"/>
-      <p:bold r:id="rId44"/>
-      <p:italic r:id="rId45"/>
-      <p:boldItalic r:id="rId46"/>
+      <p:regular r:id="rId40"/>
+      <p:bold r:id="rId41"/>
+      <p:italic r:id="rId42"/>
+      <p:boldItalic r:id="rId43"/>
     </p:embeddedFont>
     <p:embeddedFont>
       <p:font typeface="Work Sans Light"/>
-      <p:regular r:id="rId47"/>
-      <p:italic r:id="rId48"/>
+      <p:regular r:id="rId44"/>
+      <p:italic r:id="rId45"/>
     </p:embeddedFont>
     <p:embeddedFont>
       <p:font typeface="Work Sans Medium"/>
-      <p:regular r:id="rId49"/>
-      <p:bold r:id="rId50"/>
-      <p:italic r:id="rId51"/>
-      <p:boldItalic r:id="rId52"/>
+      <p:regular r:id="rId46"/>
+      <p:bold r:id="rId47"/>
+      <p:italic r:id="rId48"/>
+      <p:boldItalic r:id="rId49"/>
     </p:embeddedFont>
   </p:embeddedFontLst>
   <p:defaultTextStyle>
@@ -848,7 +845,7 @@
   <p:cSld>
     <p:spTree>
       <p:nvGrpSpPr>
-        <p:cNvPr id="135" name="Shape 135"/>
+        <p:cNvPr id="140" name="Shape 140"/>
         <p:cNvGrpSpPr/>
         <p:nvPr/>
       </p:nvGrpSpPr>
@@ -862,7 +859,7 @@
       </p:grpSpPr>
       <p:sp>
         <p:nvSpPr>
-          <p:cNvPr id="136" name="Google Shape;136;g136495c3f6b_0_1112:notes"/>
+          <p:cNvPr id="141" name="Google Shape;141;g136495c3f6b_0_1079:notes"/>
           <p:cNvSpPr/>
           <p:nvPr>
             <p:ph type="sldImg" idx="2"/>
@@ -901,7 +898,7 @@
       </p:sp>
       <p:sp>
         <p:nvSpPr>
-          <p:cNvPr id="137" name="Google Shape;137;g136495c3f6b_0_1112:notes"/>
+          <p:cNvPr id="142" name="Google Shape;142;g136495c3f6b_0_1079:notes"/>
           <p:cNvSpPr txBox="1"/>
           <p:nvPr>
             <p:ph type="body" idx="1"/>
@@ -943,204 +940,6 @@
 </file>
 
 <file path=ppt/notesSlides/notesSlide11.xml><?xml version="1.0" encoding="utf-8"?>
-<p:notes xmlns:a="http://schemas.openxmlformats.org/drawingml/2006/main" xmlns:r="http://schemas.openxmlformats.org/officeDocument/2006/relationships" xmlns:p="http://schemas.openxmlformats.org/presentationml/2006/main" showMasterPhAnim="0" showMasterSp="0">
-  <p:cSld>
-    <p:spTree>
-      <p:nvGrpSpPr>
-        <p:cNvPr id="140" name="Shape 140"/>
-        <p:cNvGrpSpPr/>
-        <p:nvPr/>
-      </p:nvGrpSpPr>
-      <p:grpSpPr>
-        <a:xfrm>
-          <a:off x="0" y="0"/>
-          <a:ext cx="0" cy="0"/>
-          <a:chOff x="0" y="0"/>
-          <a:chExt cx="0" cy="0"/>
-        </a:xfrm>
-      </p:grpSpPr>
-      <p:sp>
-        <p:nvSpPr>
-          <p:cNvPr id="141" name="Google Shape;141;g136495c3f6b_0_1079:notes"/>
-          <p:cNvSpPr/>
-          <p:nvPr>
-            <p:ph type="sldImg" idx="2"/>
-          </p:nvPr>
-        </p:nvSpPr>
-        <p:spPr>
-          <a:xfrm>
-            <a:off x="381300" y="685800"/>
-            <a:ext cx="6096000" cy="3429000"/>
-          </a:xfrm>
-          <a:custGeom>
-            <a:avLst/>
-            <a:gdLst/>
-            <a:ahLst/>
-            <a:cxnLst/>
-            <a:rect l="l" t="t" r="r" b="b"/>
-            <a:pathLst>
-              <a:path w="120000" h="120000" extrusionOk="0">
-                <a:moveTo>
-                  <a:pt x="0" y="0"/>
-                </a:moveTo>
-                <a:lnTo>
-                  <a:pt x="120000" y="0"/>
-                </a:lnTo>
-                <a:lnTo>
-                  <a:pt x="120000" y="120000"/>
-                </a:lnTo>
-                <a:lnTo>
-                  <a:pt x="0" y="120000"/>
-                </a:lnTo>
-                <a:close/>
-              </a:path>
-            </a:pathLst>
-          </a:custGeom>
-        </p:spPr>
-      </p:sp>
-      <p:sp>
-        <p:nvSpPr>
-          <p:cNvPr id="142" name="Google Shape;142;g136495c3f6b_0_1079:notes"/>
-          <p:cNvSpPr txBox="1"/>
-          <p:nvPr>
-            <p:ph type="body" idx="1"/>
-          </p:nvPr>
-        </p:nvSpPr>
-        <p:spPr>
-          <a:xfrm>
-            <a:off x="685800" y="4343400"/>
-            <a:ext cx="5486400" cy="4114800"/>
-          </a:xfrm>
-          <a:prstGeom prst="rect">
-            <a:avLst/>
-          </a:prstGeom>
-        </p:spPr>
-        <p:txBody>
-          <a:bodyPr spcFirstLastPara="1" wrap="square" lIns="91425" tIns="91425" rIns="91425" bIns="91425" anchor="t" anchorCtr="0">
-            <a:noAutofit/>
-          </a:bodyPr>
-          <a:lstStyle/>
-          <a:p>
-            <a:pPr marL="0" lvl="0" indent="0" algn="l" rtl="0">
-              <a:spcBef>
-                <a:spcPts val="0"/>
-              </a:spcBef>
-              <a:spcAft>
-                <a:spcPts val="0"/>
-              </a:spcAft>
-              <a:buNone/>
-            </a:pPr>
-          </a:p>
-        </p:txBody>
-      </p:sp>
-    </p:spTree>
-  </p:cSld>
-  <p:clrMapOvr>
-    <a:masterClrMapping/>
-  </p:clrMapOvr>
-</p:notes>
-</file>
-
-<file path=ppt/notesSlides/notesSlide12.xml><?xml version="1.0" encoding="utf-8"?>
-<p:notes xmlns:a="http://schemas.openxmlformats.org/drawingml/2006/main" xmlns:r="http://schemas.openxmlformats.org/officeDocument/2006/relationships" xmlns:p="http://schemas.openxmlformats.org/presentationml/2006/main" showMasterPhAnim="0" showMasterSp="0">
-  <p:cSld>
-    <p:spTree>
-      <p:nvGrpSpPr>
-        <p:cNvPr id="148" name="Shape 148"/>
-        <p:cNvGrpSpPr/>
-        <p:nvPr/>
-      </p:nvGrpSpPr>
-      <p:grpSpPr>
-        <a:xfrm>
-          <a:off x="0" y="0"/>
-          <a:ext cx="0" cy="0"/>
-          <a:chOff x="0" y="0"/>
-          <a:chExt cx="0" cy="0"/>
-        </a:xfrm>
-      </p:grpSpPr>
-      <p:sp>
-        <p:nvSpPr>
-          <p:cNvPr id="149" name="Google Shape;149;g137831ce667_1_107:notes"/>
-          <p:cNvSpPr/>
-          <p:nvPr>
-            <p:ph type="sldImg" idx="2"/>
-          </p:nvPr>
-        </p:nvSpPr>
-        <p:spPr>
-          <a:xfrm>
-            <a:off x="381300" y="685800"/>
-            <a:ext cx="6096000" cy="3429000"/>
-          </a:xfrm>
-          <a:custGeom>
-            <a:avLst/>
-            <a:gdLst/>
-            <a:ahLst/>
-            <a:cxnLst/>
-            <a:rect l="l" t="t" r="r" b="b"/>
-            <a:pathLst>
-              <a:path w="120000" h="120000" extrusionOk="0">
-                <a:moveTo>
-                  <a:pt x="0" y="0"/>
-                </a:moveTo>
-                <a:lnTo>
-                  <a:pt x="120000" y="0"/>
-                </a:lnTo>
-                <a:lnTo>
-                  <a:pt x="120000" y="120000"/>
-                </a:lnTo>
-                <a:lnTo>
-                  <a:pt x="0" y="120000"/>
-                </a:lnTo>
-                <a:close/>
-              </a:path>
-            </a:pathLst>
-          </a:custGeom>
-        </p:spPr>
-      </p:sp>
-      <p:sp>
-        <p:nvSpPr>
-          <p:cNvPr id="150" name="Google Shape;150;g137831ce667_1_107:notes"/>
-          <p:cNvSpPr txBox="1"/>
-          <p:nvPr>
-            <p:ph type="body" idx="1"/>
-          </p:nvPr>
-        </p:nvSpPr>
-        <p:spPr>
-          <a:xfrm>
-            <a:off x="685800" y="4343400"/>
-            <a:ext cx="5486400" cy="4114800"/>
-          </a:xfrm>
-          <a:prstGeom prst="rect">
-            <a:avLst/>
-          </a:prstGeom>
-        </p:spPr>
-        <p:txBody>
-          <a:bodyPr spcFirstLastPara="1" wrap="square" lIns="91425" tIns="91425" rIns="91425" bIns="91425" anchor="t" anchorCtr="0">
-            <a:noAutofit/>
-          </a:bodyPr>
-          <a:lstStyle/>
-          <a:p>
-            <a:pPr marL="0" lvl="0" indent="0" algn="l" rtl="0">
-              <a:spcBef>
-                <a:spcPts val="0"/>
-              </a:spcBef>
-              <a:spcAft>
-                <a:spcPts val="0"/>
-              </a:spcAft>
-              <a:buNone/>
-            </a:pPr>
-          </a:p>
-        </p:txBody>
-      </p:sp>
-    </p:spTree>
-  </p:cSld>
-  <p:clrMapOvr>
-    <a:masterClrMapping/>
-  </p:clrMapOvr>
-</p:notes>
-</file>
-
-<file path=ppt/notesSlides/notesSlide13.xml><?xml version="1.0" encoding="utf-8"?>
 <p:notes xmlns:a="http://schemas.openxmlformats.org/drawingml/2006/main" xmlns:r="http://schemas.openxmlformats.org/officeDocument/2006/relationships" xmlns:p="http://schemas.openxmlformats.org/presentationml/2006/main" showMasterPhAnim="0" showMasterSp="0">
   <p:cSld>
     <p:spTree>
@@ -1239,7 +1038,7 @@
 </p:notes>
 </file>
 
-<file path=ppt/notesSlides/notesSlide14.xml><?xml version="1.0" encoding="utf-8"?>
+<file path=ppt/notesSlides/notesSlide12.xml><?xml version="1.0" encoding="utf-8"?>
 <p:notes xmlns:a="http://schemas.openxmlformats.org/drawingml/2006/main" xmlns:r="http://schemas.openxmlformats.org/officeDocument/2006/relationships" xmlns:p="http://schemas.openxmlformats.org/presentationml/2006/main" showMasterPhAnim="0" showMasterSp="0">
   <p:cSld>
     <p:spTree>
@@ -1338,7 +1137,7 @@
 </p:notes>
 </file>
 
-<file path=ppt/notesSlides/notesSlide15.xml><?xml version="1.0" encoding="utf-8"?>
+<file path=ppt/notesSlides/notesSlide13.xml><?xml version="1.0" encoding="utf-8"?>
 <p:notes xmlns:a="http://schemas.openxmlformats.org/drawingml/2006/main" xmlns:r="http://schemas.openxmlformats.org/officeDocument/2006/relationships" xmlns:p="http://schemas.openxmlformats.org/presentationml/2006/main" showMasterPhAnim="0" showMasterSp="0">
   <p:cSld>
     <p:spTree>
@@ -1437,7 +1236,7 @@
 </p:notes>
 </file>
 
-<file path=ppt/notesSlides/notesSlide16.xml><?xml version="1.0" encoding="utf-8"?>
+<file path=ppt/notesSlides/notesSlide14.xml><?xml version="1.0" encoding="utf-8"?>
 <p:notes xmlns:a="http://schemas.openxmlformats.org/drawingml/2006/main" xmlns:r="http://schemas.openxmlformats.org/officeDocument/2006/relationships" xmlns:p="http://schemas.openxmlformats.org/presentationml/2006/main" showMasterPhAnim="0" showMasterSp="0">
   <p:cSld>
     <p:spTree>
@@ -1536,7 +1335,7 @@
 </p:notes>
 </file>
 
-<file path=ppt/notesSlides/notesSlide17.xml><?xml version="1.0" encoding="utf-8"?>
+<file path=ppt/notesSlides/notesSlide15.xml><?xml version="1.0" encoding="utf-8"?>
 <p:notes xmlns:a="http://schemas.openxmlformats.org/drawingml/2006/main" xmlns:r="http://schemas.openxmlformats.org/officeDocument/2006/relationships" xmlns:p="http://schemas.openxmlformats.org/presentationml/2006/main" showMasterPhAnim="0" showMasterSp="0">
   <p:cSld>
     <p:spTree>
@@ -1635,7 +1434,106 @@
 </p:notes>
 </file>
 
-<file path=ppt/notesSlides/notesSlide18.xml><?xml version="1.0" encoding="utf-8"?>
+<file path=ppt/notesSlides/notesSlide16.xml><?xml version="1.0" encoding="utf-8"?>
+<p:notes xmlns:a="http://schemas.openxmlformats.org/drawingml/2006/main" xmlns:r="http://schemas.openxmlformats.org/officeDocument/2006/relationships" xmlns:p="http://schemas.openxmlformats.org/presentationml/2006/main" showMasterPhAnim="0" showMasterSp="0">
+  <p:cSld>
+    <p:spTree>
+      <p:nvGrpSpPr>
+        <p:cNvPr id="192" name="Shape 192"/>
+        <p:cNvGrpSpPr/>
+        <p:nvPr/>
+      </p:nvGrpSpPr>
+      <p:grpSpPr>
+        <a:xfrm>
+          <a:off x="0" y="0"/>
+          <a:ext cx="0" cy="0"/>
+          <a:chOff x="0" y="0"/>
+          <a:chExt cx="0" cy="0"/>
+        </a:xfrm>
+      </p:grpSpPr>
+      <p:sp>
+        <p:nvSpPr>
+          <p:cNvPr id="193" name="Google Shape;193;g137831ce667_1_115:notes"/>
+          <p:cNvSpPr/>
+          <p:nvPr>
+            <p:ph type="sldImg" idx="2"/>
+          </p:nvPr>
+        </p:nvSpPr>
+        <p:spPr>
+          <a:xfrm>
+            <a:off x="381300" y="685800"/>
+            <a:ext cx="6096000" cy="3429000"/>
+          </a:xfrm>
+          <a:custGeom>
+            <a:avLst/>
+            <a:gdLst/>
+            <a:ahLst/>
+            <a:cxnLst/>
+            <a:rect l="l" t="t" r="r" b="b"/>
+            <a:pathLst>
+              <a:path w="120000" h="120000" extrusionOk="0">
+                <a:moveTo>
+                  <a:pt x="0" y="0"/>
+                </a:moveTo>
+                <a:lnTo>
+                  <a:pt x="120000" y="0"/>
+                </a:lnTo>
+                <a:lnTo>
+                  <a:pt x="120000" y="120000"/>
+                </a:lnTo>
+                <a:lnTo>
+                  <a:pt x="0" y="120000"/>
+                </a:lnTo>
+                <a:close/>
+              </a:path>
+            </a:pathLst>
+          </a:custGeom>
+        </p:spPr>
+      </p:sp>
+      <p:sp>
+        <p:nvSpPr>
+          <p:cNvPr id="194" name="Google Shape;194;g137831ce667_1_115:notes"/>
+          <p:cNvSpPr txBox="1"/>
+          <p:nvPr>
+            <p:ph type="body" idx="1"/>
+          </p:nvPr>
+        </p:nvSpPr>
+        <p:spPr>
+          <a:xfrm>
+            <a:off x="685800" y="4343400"/>
+            <a:ext cx="5486400" cy="4114800"/>
+          </a:xfrm>
+          <a:prstGeom prst="rect">
+            <a:avLst/>
+          </a:prstGeom>
+        </p:spPr>
+        <p:txBody>
+          <a:bodyPr spcFirstLastPara="1" wrap="square" lIns="91425" tIns="91425" rIns="91425" bIns="91425" anchor="t" anchorCtr="0">
+            <a:noAutofit/>
+          </a:bodyPr>
+          <a:lstStyle/>
+          <a:p>
+            <a:pPr marL="0" lvl="0" indent="0" algn="l" rtl="0">
+              <a:spcBef>
+                <a:spcPts val="0"/>
+              </a:spcBef>
+              <a:spcAft>
+                <a:spcPts val="0"/>
+              </a:spcAft>
+              <a:buNone/>
+            </a:pPr>
+          </a:p>
+        </p:txBody>
+      </p:sp>
+    </p:spTree>
+  </p:cSld>
+  <p:clrMapOvr>
+    <a:masterClrMapping/>
+  </p:clrMapOvr>
+</p:notes>
+</file>
+
+<file path=ppt/notesSlides/notesSlide17.xml><?xml version="1.0" encoding="utf-8"?>
 <p:notes xmlns:a="http://schemas.openxmlformats.org/drawingml/2006/main" xmlns:r="http://schemas.openxmlformats.org/officeDocument/2006/relationships" xmlns:p="http://schemas.openxmlformats.org/presentationml/2006/main" showMasterPhAnim="0" showMasterSp="0">
   <p:cSld>
     <p:spTree>
@@ -1734,12 +1632,12 @@
 </p:notes>
 </file>
 
-<file path=ppt/notesSlides/notesSlide19.xml><?xml version="1.0" encoding="utf-8"?>
+<file path=ppt/notesSlides/notesSlide18.xml><?xml version="1.0" encoding="utf-8"?>
 <p:notes xmlns:a="http://schemas.openxmlformats.org/drawingml/2006/main" xmlns:r="http://schemas.openxmlformats.org/officeDocument/2006/relationships" xmlns:p="http://schemas.openxmlformats.org/presentationml/2006/main" showMasterPhAnim="0" showMasterSp="0">
   <p:cSld>
     <p:spTree>
       <p:nvGrpSpPr>
-        <p:cNvPr id="204" name="Shape 204"/>
+        <p:cNvPr id="224" name="Shape 224"/>
         <p:cNvGrpSpPr/>
         <p:nvPr/>
       </p:nvGrpSpPr>
@@ -1753,7 +1651,7 @@
       </p:grpSpPr>
       <p:sp>
         <p:nvSpPr>
-          <p:cNvPr id="205" name="Google Shape;205;g137831ce667_1_93:notes"/>
+          <p:cNvPr id="225" name="Google Shape;225;g137831ce667_1_14:notes"/>
           <p:cNvSpPr/>
           <p:nvPr>
             <p:ph type="sldImg" idx="2"/>
@@ -1792,7 +1690,106 @@
       </p:sp>
       <p:sp>
         <p:nvSpPr>
-          <p:cNvPr id="206" name="Google Shape;206;g137831ce667_1_93:notes"/>
+          <p:cNvPr id="226" name="Google Shape;226;g137831ce667_1_14:notes"/>
+          <p:cNvSpPr txBox="1"/>
+          <p:nvPr>
+            <p:ph type="body" idx="1"/>
+          </p:nvPr>
+        </p:nvSpPr>
+        <p:spPr>
+          <a:xfrm>
+            <a:off x="685800" y="4343400"/>
+            <a:ext cx="5486400" cy="4114800"/>
+          </a:xfrm>
+          <a:prstGeom prst="rect">
+            <a:avLst/>
+          </a:prstGeom>
+        </p:spPr>
+        <p:txBody>
+          <a:bodyPr spcFirstLastPara="1" wrap="square" lIns="91425" tIns="91425" rIns="91425" bIns="91425" anchor="t" anchorCtr="0">
+            <a:noAutofit/>
+          </a:bodyPr>
+          <a:lstStyle/>
+          <a:p>
+            <a:pPr marL="0" lvl="0" indent="0" algn="l" rtl="0">
+              <a:spcBef>
+                <a:spcPts val="0"/>
+              </a:spcBef>
+              <a:spcAft>
+                <a:spcPts val="0"/>
+              </a:spcAft>
+              <a:buNone/>
+            </a:pPr>
+          </a:p>
+        </p:txBody>
+      </p:sp>
+    </p:spTree>
+  </p:cSld>
+  <p:clrMapOvr>
+    <a:masterClrMapping/>
+  </p:clrMapOvr>
+</p:notes>
+</file>
+
+<file path=ppt/notesSlides/notesSlide19.xml><?xml version="1.0" encoding="utf-8"?>
+<p:notes xmlns:a="http://schemas.openxmlformats.org/drawingml/2006/main" xmlns:r="http://schemas.openxmlformats.org/officeDocument/2006/relationships" xmlns:p="http://schemas.openxmlformats.org/presentationml/2006/main" showMasterPhAnim="0" showMasterSp="0">
+  <p:cSld>
+    <p:spTree>
+      <p:nvGrpSpPr>
+        <p:cNvPr id="229" name="Shape 229"/>
+        <p:cNvGrpSpPr/>
+        <p:nvPr/>
+      </p:nvGrpSpPr>
+      <p:grpSpPr>
+        <a:xfrm>
+          <a:off x="0" y="0"/>
+          <a:ext cx="0" cy="0"/>
+          <a:chOff x="0" y="0"/>
+          <a:chExt cx="0" cy="0"/>
+        </a:xfrm>
+      </p:grpSpPr>
+      <p:sp>
+        <p:nvSpPr>
+          <p:cNvPr id="230" name="Google Shape;230;g137831ce667_1_130:notes"/>
+          <p:cNvSpPr/>
+          <p:nvPr>
+            <p:ph type="sldImg" idx="2"/>
+          </p:nvPr>
+        </p:nvSpPr>
+        <p:spPr>
+          <a:xfrm>
+            <a:off x="381300" y="685800"/>
+            <a:ext cx="6096000" cy="3429000"/>
+          </a:xfrm>
+          <a:custGeom>
+            <a:avLst/>
+            <a:gdLst/>
+            <a:ahLst/>
+            <a:cxnLst/>
+            <a:rect l="l" t="t" r="r" b="b"/>
+            <a:pathLst>
+              <a:path w="120000" h="120000" extrusionOk="0">
+                <a:moveTo>
+                  <a:pt x="0" y="0"/>
+                </a:moveTo>
+                <a:lnTo>
+                  <a:pt x="120000" y="0"/>
+                </a:lnTo>
+                <a:lnTo>
+                  <a:pt x="120000" y="120000"/>
+                </a:lnTo>
+                <a:lnTo>
+                  <a:pt x="0" y="120000"/>
+                </a:lnTo>
+                <a:close/>
+              </a:path>
+            </a:pathLst>
+          </a:custGeom>
+        </p:spPr>
+      </p:sp>
+      <p:sp>
+        <p:nvSpPr>
+          <p:cNvPr id="231" name="Google Shape;231;g137831ce667_1_130:notes"/>
           <p:cNvSpPr txBox="1"/>
           <p:nvPr>
             <p:ph type="body" idx="1"/>
@@ -1937,7 +1934,7 @@
   <p:cSld>
     <p:spTree>
       <p:nvGrpSpPr>
-        <p:cNvPr id="212" name="Shape 212"/>
+        <p:cNvPr id="237" name="Shape 237"/>
         <p:cNvGrpSpPr/>
         <p:nvPr/>
       </p:nvGrpSpPr>
@@ -1951,7 +1948,7 @@
       </p:grpSpPr>
       <p:sp>
         <p:nvSpPr>
-          <p:cNvPr id="213" name="Google Shape;213;g137831ce667_1_87:notes"/>
+          <p:cNvPr id="238" name="Google Shape;238;g137831ce667_1_122:notes"/>
           <p:cNvSpPr/>
           <p:nvPr>
             <p:ph type="sldImg" idx="2"/>
@@ -1990,7 +1987,7 @@
       </p:sp>
       <p:sp>
         <p:nvSpPr>
-          <p:cNvPr id="214" name="Google Shape;214;g137831ce667_1_87:notes"/>
+          <p:cNvPr id="239" name="Google Shape;239;g137831ce667_1_122:notes"/>
           <p:cNvSpPr txBox="1"/>
           <p:nvPr>
             <p:ph type="body" idx="1"/>
@@ -2032,402 +2029,6 @@
 </file>
 
 <file path=ppt/notesSlides/notesSlide21.xml><?xml version="1.0" encoding="utf-8"?>
-<p:notes xmlns:a="http://schemas.openxmlformats.org/drawingml/2006/main" xmlns:r="http://schemas.openxmlformats.org/officeDocument/2006/relationships" xmlns:p="http://schemas.openxmlformats.org/presentationml/2006/main" showMasterPhAnim="0" showMasterSp="0">
-  <p:cSld>
-    <p:spTree>
-      <p:nvGrpSpPr>
-        <p:cNvPr id="218" name="Shape 218"/>
-        <p:cNvGrpSpPr/>
-        <p:nvPr/>
-      </p:nvGrpSpPr>
-      <p:grpSpPr>
-        <a:xfrm>
-          <a:off x="0" y="0"/>
-          <a:ext cx="0" cy="0"/>
-          <a:chOff x="0" y="0"/>
-          <a:chExt cx="0" cy="0"/>
-        </a:xfrm>
-      </p:grpSpPr>
-      <p:sp>
-        <p:nvSpPr>
-          <p:cNvPr id="219" name="Google Shape;219;g137831ce667_1_80:notes"/>
-          <p:cNvSpPr/>
-          <p:nvPr>
-            <p:ph type="sldImg" idx="2"/>
-          </p:nvPr>
-        </p:nvSpPr>
-        <p:spPr>
-          <a:xfrm>
-            <a:off x="381300" y="685800"/>
-            <a:ext cx="6096000" cy="3429000"/>
-          </a:xfrm>
-          <a:custGeom>
-            <a:avLst/>
-            <a:gdLst/>
-            <a:ahLst/>
-            <a:cxnLst/>
-            <a:rect l="l" t="t" r="r" b="b"/>
-            <a:pathLst>
-              <a:path w="120000" h="120000" extrusionOk="0">
-                <a:moveTo>
-                  <a:pt x="0" y="0"/>
-                </a:moveTo>
-                <a:lnTo>
-                  <a:pt x="120000" y="0"/>
-                </a:lnTo>
-                <a:lnTo>
-                  <a:pt x="120000" y="120000"/>
-                </a:lnTo>
-                <a:lnTo>
-                  <a:pt x="0" y="120000"/>
-                </a:lnTo>
-                <a:close/>
-              </a:path>
-            </a:pathLst>
-          </a:custGeom>
-        </p:spPr>
-      </p:sp>
-      <p:sp>
-        <p:nvSpPr>
-          <p:cNvPr id="220" name="Google Shape;220;g137831ce667_1_80:notes"/>
-          <p:cNvSpPr txBox="1"/>
-          <p:nvPr>
-            <p:ph type="body" idx="1"/>
-          </p:nvPr>
-        </p:nvSpPr>
-        <p:spPr>
-          <a:xfrm>
-            <a:off x="685800" y="4343400"/>
-            <a:ext cx="5486400" cy="4114800"/>
-          </a:xfrm>
-          <a:prstGeom prst="rect">
-            <a:avLst/>
-          </a:prstGeom>
-        </p:spPr>
-        <p:txBody>
-          <a:bodyPr spcFirstLastPara="1" wrap="square" lIns="91425" tIns="91425" rIns="91425" bIns="91425" anchor="t" anchorCtr="0">
-            <a:noAutofit/>
-          </a:bodyPr>
-          <a:lstStyle/>
-          <a:p>
-            <a:pPr marL="0" lvl="0" indent="0" algn="l" rtl="0">
-              <a:spcBef>
-                <a:spcPts val="0"/>
-              </a:spcBef>
-              <a:spcAft>
-                <a:spcPts val="0"/>
-              </a:spcAft>
-              <a:buNone/>
-            </a:pPr>
-          </a:p>
-        </p:txBody>
-      </p:sp>
-    </p:spTree>
-  </p:cSld>
-  <p:clrMapOvr>
-    <a:masterClrMapping/>
-  </p:clrMapOvr>
-</p:notes>
-</file>
-
-<file path=ppt/notesSlides/notesSlide22.xml><?xml version="1.0" encoding="utf-8"?>
-<p:notes xmlns:a="http://schemas.openxmlformats.org/drawingml/2006/main" xmlns:r="http://schemas.openxmlformats.org/officeDocument/2006/relationships" xmlns:p="http://schemas.openxmlformats.org/presentationml/2006/main" showMasterPhAnim="0" showMasterSp="0">
-  <p:cSld>
-    <p:spTree>
-      <p:nvGrpSpPr>
-        <p:cNvPr id="224" name="Shape 224"/>
-        <p:cNvGrpSpPr/>
-        <p:nvPr/>
-      </p:nvGrpSpPr>
-      <p:grpSpPr>
-        <a:xfrm>
-          <a:off x="0" y="0"/>
-          <a:ext cx="0" cy="0"/>
-          <a:chOff x="0" y="0"/>
-          <a:chExt cx="0" cy="0"/>
-        </a:xfrm>
-      </p:grpSpPr>
-      <p:sp>
-        <p:nvSpPr>
-          <p:cNvPr id="225" name="Google Shape;225;g137831ce667_1_14:notes"/>
-          <p:cNvSpPr/>
-          <p:nvPr>
-            <p:ph type="sldImg" idx="2"/>
-          </p:nvPr>
-        </p:nvSpPr>
-        <p:spPr>
-          <a:xfrm>
-            <a:off x="381300" y="685800"/>
-            <a:ext cx="6096000" cy="3429000"/>
-          </a:xfrm>
-          <a:custGeom>
-            <a:avLst/>
-            <a:gdLst/>
-            <a:ahLst/>
-            <a:cxnLst/>
-            <a:rect l="l" t="t" r="r" b="b"/>
-            <a:pathLst>
-              <a:path w="120000" h="120000" extrusionOk="0">
-                <a:moveTo>
-                  <a:pt x="0" y="0"/>
-                </a:moveTo>
-                <a:lnTo>
-                  <a:pt x="120000" y="0"/>
-                </a:lnTo>
-                <a:lnTo>
-                  <a:pt x="120000" y="120000"/>
-                </a:lnTo>
-                <a:lnTo>
-                  <a:pt x="0" y="120000"/>
-                </a:lnTo>
-                <a:close/>
-              </a:path>
-            </a:pathLst>
-          </a:custGeom>
-        </p:spPr>
-      </p:sp>
-      <p:sp>
-        <p:nvSpPr>
-          <p:cNvPr id="226" name="Google Shape;226;g137831ce667_1_14:notes"/>
-          <p:cNvSpPr txBox="1"/>
-          <p:nvPr>
-            <p:ph type="body" idx="1"/>
-          </p:nvPr>
-        </p:nvSpPr>
-        <p:spPr>
-          <a:xfrm>
-            <a:off x="685800" y="4343400"/>
-            <a:ext cx="5486400" cy="4114800"/>
-          </a:xfrm>
-          <a:prstGeom prst="rect">
-            <a:avLst/>
-          </a:prstGeom>
-        </p:spPr>
-        <p:txBody>
-          <a:bodyPr spcFirstLastPara="1" wrap="square" lIns="91425" tIns="91425" rIns="91425" bIns="91425" anchor="t" anchorCtr="0">
-            <a:noAutofit/>
-          </a:bodyPr>
-          <a:lstStyle/>
-          <a:p>
-            <a:pPr marL="0" lvl="0" indent="0" algn="l" rtl="0">
-              <a:spcBef>
-                <a:spcPts val="0"/>
-              </a:spcBef>
-              <a:spcAft>
-                <a:spcPts val="0"/>
-              </a:spcAft>
-              <a:buNone/>
-            </a:pPr>
-          </a:p>
-        </p:txBody>
-      </p:sp>
-    </p:spTree>
-  </p:cSld>
-  <p:clrMapOvr>
-    <a:masterClrMapping/>
-  </p:clrMapOvr>
-</p:notes>
-</file>
-
-<file path=ppt/notesSlides/notesSlide23.xml><?xml version="1.0" encoding="utf-8"?>
-<p:notes xmlns:a="http://schemas.openxmlformats.org/drawingml/2006/main" xmlns:r="http://schemas.openxmlformats.org/officeDocument/2006/relationships" xmlns:p="http://schemas.openxmlformats.org/presentationml/2006/main" showMasterPhAnim="0" showMasterSp="0">
-  <p:cSld>
-    <p:spTree>
-      <p:nvGrpSpPr>
-        <p:cNvPr id="229" name="Shape 229"/>
-        <p:cNvGrpSpPr/>
-        <p:nvPr/>
-      </p:nvGrpSpPr>
-      <p:grpSpPr>
-        <a:xfrm>
-          <a:off x="0" y="0"/>
-          <a:ext cx="0" cy="0"/>
-          <a:chOff x="0" y="0"/>
-          <a:chExt cx="0" cy="0"/>
-        </a:xfrm>
-      </p:grpSpPr>
-      <p:sp>
-        <p:nvSpPr>
-          <p:cNvPr id="230" name="Google Shape;230;g137831ce667_1_130:notes"/>
-          <p:cNvSpPr/>
-          <p:nvPr>
-            <p:ph type="sldImg" idx="2"/>
-          </p:nvPr>
-        </p:nvSpPr>
-        <p:spPr>
-          <a:xfrm>
-            <a:off x="381300" y="685800"/>
-            <a:ext cx="6096000" cy="3429000"/>
-          </a:xfrm>
-          <a:custGeom>
-            <a:avLst/>
-            <a:gdLst/>
-            <a:ahLst/>
-            <a:cxnLst/>
-            <a:rect l="l" t="t" r="r" b="b"/>
-            <a:pathLst>
-              <a:path w="120000" h="120000" extrusionOk="0">
-                <a:moveTo>
-                  <a:pt x="0" y="0"/>
-                </a:moveTo>
-                <a:lnTo>
-                  <a:pt x="120000" y="0"/>
-                </a:lnTo>
-                <a:lnTo>
-                  <a:pt x="120000" y="120000"/>
-                </a:lnTo>
-                <a:lnTo>
-                  <a:pt x="0" y="120000"/>
-                </a:lnTo>
-                <a:close/>
-              </a:path>
-            </a:pathLst>
-          </a:custGeom>
-        </p:spPr>
-      </p:sp>
-      <p:sp>
-        <p:nvSpPr>
-          <p:cNvPr id="231" name="Google Shape;231;g137831ce667_1_130:notes"/>
-          <p:cNvSpPr txBox="1"/>
-          <p:nvPr>
-            <p:ph type="body" idx="1"/>
-          </p:nvPr>
-        </p:nvSpPr>
-        <p:spPr>
-          <a:xfrm>
-            <a:off x="685800" y="4343400"/>
-            <a:ext cx="5486400" cy="4114800"/>
-          </a:xfrm>
-          <a:prstGeom prst="rect">
-            <a:avLst/>
-          </a:prstGeom>
-        </p:spPr>
-        <p:txBody>
-          <a:bodyPr spcFirstLastPara="1" wrap="square" lIns="91425" tIns="91425" rIns="91425" bIns="91425" anchor="t" anchorCtr="0">
-            <a:noAutofit/>
-          </a:bodyPr>
-          <a:lstStyle/>
-          <a:p>
-            <a:pPr marL="0" lvl="0" indent="0" algn="l" rtl="0">
-              <a:spcBef>
-                <a:spcPts val="0"/>
-              </a:spcBef>
-              <a:spcAft>
-                <a:spcPts val="0"/>
-              </a:spcAft>
-              <a:buNone/>
-            </a:pPr>
-          </a:p>
-        </p:txBody>
-      </p:sp>
-    </p:spTree>
-  </p:cSld>
-  <p:clrMapOvr>
-    <a:masterClrMapping/>
-  </p:clrMapOvr>
-</p:notes>
-</file>
-
-<file path=ppt/notesSlides/notesSlide24.xml><?xml version="1.0" encoding="utf-8"?>
-<p:notes xmlns:a="http://schemas.openxmlformats.org/drawingml/2006/main" xmlns:r="http://schemas.openxmlformats.org/officeDocument/2006/relationships" xmlns:p="http://schemas.openxmlformats.org/presentationml/2006/main" showMasterPhAnim="0" showMasterSp="0">
-  <p:cSld>
-    <p:spTree>
-      <p:nvGrpSpPr>
-        <p:cNvPr id="237" name="Shape 237"/>
-        <p:cNvGrpSpPr/>
-        <p:nvPr/>
-      </p:nvGrpSpPr>
-      <p:grpSpPr>
-        <a:xfrm>
-          <a:off x="0" y="0"/>
-          <a:ext cx="0" cy="0"/>
-          <a:chOff x="0" y="0"/>
-          <a:chExt cx="0" cy="0"/>
-        </a:xfrm>
-      </p:grpSpPr>
-      <p:sp>
-        <p:nvSpPr>
-          <p:cNvPr id="238" name="Google Shape;238;g137831ce667_1_122:notes"/>
-          <p:cNvSpPr/>
-          <p:nvPr>
-            <p:ph type="sldImg" idx="2"/>
-          </p:nvPr>
-        </p:nvSpPr>
-        <p:spPr>
-          <a:xfrm>
-            <a:off x="381300" y="685800"/>
-            <a:ext cx="6096000" cy="3429000"/>
-          </a:xfrm>
-          <a:custGeom>
-            <a:avLst/>
-            <a:gdLst/>
-            <a:ahLst/>
-            <a:cxnLst/>
-            <a:rect l="l" t="t" r="r" b="b"/>
-            <a:pathLst>
-              <a:path w="120000" h="120000" extrusionOk="0">
-                <a:moveTo>
-                  <a:pt x="0" y="0"/>
-                </a:moveTo>
-                <a:lnTo>
-                  <a:pt x="120000" y="0"/>
-                </a:lnTo>
-                <a:lnTo>
-                  <a:pt x="120000" y="120000"/>
-                </a:lnTo>
-                <a:lnTo>
-                  <a:pt x="0" y="120000"/>
-                </a:lnTo>
-                <a:close/>
-              </a:path>
-            </a:pathLst>
-          </a:custGeom>
-        </p:spPr>
-      </p:sp>
-      <p:sp>
-        <p:nvSpPr>
-          <p:cNvPr id="239" name="Google Shape;239;g137831ce667_1_122:notes"/>
-          <p:cNvSpPr txBox="1"/>
-          <p:nvPr>
-            <p:ph type="body" idx="1"/>
-          </p:nvPr>
-        </p:nvSpPr>
-        <p:spPr>
-          <a:xfrm>
-            <a:off x="685800" y="4343400"/>
-            <a:ext cx="5486400" cy="4114800"/>
-          </a:xfrm>
-          <a:prstGeom prst="rect">
-            <a:avLst/>
-          </a:prstGeom>
-        </p:spPr>
-        <p:txBody>
-          <a:bodyPr spcFirstLastPara="1" wrap="square" lIns="91425" tIns="91425" rIns="91425" bIns="91425" anchor="t" anchorCtr="0">
-            <a:noAutofit/>
-          </a:bodyPr>
-          <a:lstStyle/>
-          <a:p>
-            <a:pPr marL="0" lvl="0" indent="0" algn="l" rtl="0">
-              <a:spcBef>
-                <a:spcPts val="0"/>
-              </a:spcBef>
-              <a:spcAft>
-                <a:spcPts val="0"/>
-              </a:spcAft>
-              <a:buNone/>
-            </a:pPr>
-          </a:p>
-        </p:txBody>
-      </p:sp>
-    </p:spTree>
-  </p:cSld>
-  <p:clrMapOvr>
-    <a:masterClrMapping/>
-  </p:clrMapOvr>
-</p:notes>
-</file>
-
-<file path=ppt/notesSlides/notesSlide25.xml><?xml version="1.0" encoding="utf-8"?>
 <p:notes xmlns:a="http://schemas.openxmlformats.org/drawingml/2006/main" xmlns:r="http://schemas.openxmlformats.org/officeDocument/2006/relationships" xmlns:p="http://schemas.openxmlformats.org/presentationml/2006/main" showMasterPhAnim="0" showMasterSp="0">
   <p:cSld>
     <p:spTree>
@@ -2526,7 +2127,7 @@
 </p:notes>
 </file>
 
-<file path=ppt/notesSlides/notesSlide26.xml><?xml version="1.0" encoding="utf-8"?>
+<file path=ppt/notesSlides/notesSlide22.xml><?xml version="1.0" encoding="utf-8"?>
 <p:notes xmlns:a="http://schemas.openxmlformats.org/drawingml/2006/main" xmlns:r="http://schemas.openxmlformats.org/officeDocument/2006/relationships" xmlns:p="http://schemas.openxmlformats.org/presentationml/2006/main" showMasterPhAnim="0" showMasterSp="0">
   <p:cSld>
     <p:spTree>
@@ -2625,7 +2226,7 @@
 </p:notes>
 </file>
 
-<file path=ppt/notesSlides/notesSlide27.xml><?xml version="1.0" encoding="utf-8"?>
+<file path=ppt/notesSlides/notesSlide23.xml><?xml version="1.0" encoding="utf-8"?>
 <p:notes xmlns:a="http://schemas.openxmlformats.org/drawingml/2006/main" xmlns:r="http://schemas.openxmlformats.org/officeDocument/2006/relationships" xmlns:p="http://schemas.openxmlformats.org/presentationml/2006/main" showMasterPhAnim="0" showMasterSp="0">
   <p:cSld>
     <p:spTree>
@@ -2724,7 +2325,7 @@
 </p:notes>
 </file>
 
-<file path=ppt/notesSlides/notesSlide28.xml><?xml version="1.0" encoding="utf-8"?>
+<file path=ppt/notesSlides/notesSlide24.xml><?xml version="1.0" encoding="utf-8"?>
 <p:notes xmlns:a="http://schemas.openxmlformats.org/drawingml/2006/main" xmlns:r="http://schemas.openxmlformats.org/officeDocument/2006/relationships" xmlns:p="http://schemas.openxmlformats.org/presentationml/2006/main" showMasterPhAnim="0" showMasterSp="0">
   <p:cSld>
     <p:spTree>
@@ -2823,7 +2424,7 @@
 </p:notes>
 </file>
 
-<file path=ppt/notesSlides/notesSlide29.xml><?xml version="1.0" encoding="utf-8"?>
+<file path=ppt/notesSlides/notesSlide25.xml><?xml version="1.0" encoding="utf-8"?>
 <p:notes xmlns:a="http://schemas.openxmlformats.org/drawingml/2006/main" xmlns:r="http://schemas.openxmlformats.org/officeDocument/2006/relationships" xmlns:p="http://schemas.openxmlformats.org/presentationml/2006/main" showMasterPhAnim="0" showMasterSp="0">
   <p:cSld>
     <p:spTree>
@@ -2882,6 +2483,105 @@
       <p:sp>
         <p:nvSpPr>
           <p:cNvPr id="273" name="Google Shape;273;g134c452dabb_3_2:notes"/>
+          <p:cNvSpPr txBox="1"/>
+          <p:nvPr>
+            <p:ph type="body" idx="1"/>
+          </p:nvPr>
+        </p:nvSpPr>
+        <p:spPr>
+          <a:xfrm>
+            <a:off x="685800" y="4343400"/>
+            <a:ext cx="5486400" cy="4114800"/>
+          </a:xfrm>
+          <a:prstGeom prst="rect">
+            <a:avLst/>
+          </a:prstGeom>
+        </p:spPr>
+        <p:txBody>
+          <a:bodyPr spcFirstLastPara="1" wrap="square" lIns="91425" tIns="91425" rIns="91425" bIns="91425" anchor="t" anchorCtr="0">
+            <a:noAutofit/>
+          </a:bodyPr>
+          <a:lstStyle/>
+          <a:p>
+            <a:pPr marL="0" lvl="0" indent="0" algn="l" rtl="0">
+              <a:spcBef>
+                <a:spcPts val="0"/>
+              </a:spcBef>
+              <a:spcAft>
+                <a:spcPts val="0"/>
+              </a:spcAft>
+              <a:buNone/>
+            </a:pPr>
+          </a:p>
+        </p:txBody>
+      </p:sp>
+    </p:spTree>
+  </p:cSld>
+  <p:clrMapOvr>
+    <a:masterClrMapping/>
+  </p:clrMapOvr>
+</p:notes>
+</file>
+
+<file path=ppt/notesSlides/notesSlide26.xml><?xml version="1.0" encoding="utf-8"?>
+<p:notes xmlns:a="http://schemas.openxmlformats.org/drawingml/2006/main" xmlns:r="http://schemas.openxmlformats.org/officeDocument/2006/relationships" xmlns:p="http://schemas.openxmlformats.org/presentationml/2006/main" showMasterPhAnim="0" showMasterSp="0">
+  <p:cSld>
+    <p:spTree>
+      <p:nvGrpSpPr>
+        <p:cNvPr id="278" name="Shape 278"/>
+        <p:cNvGrpSpPr/>
+        <p:nvPr/>
+      </p:nvGrpSpPr>
+      <p:grpSpPr>
+        <a:xfrm>
+          <a:off x="0" y="0"/>
+          <a:ext cx="0" cy="0"/>
+          <a:chOff x="0" y="0"/>
+          <a:chExt cx="0" cy="0"/>
+        </a:xfrm>
+      </p:grpSpPr>
+      <p:sp>
+        <p:nvSpPr>
+          <p:cNvPr id="279" name="Google Shape;279;g136495c3f6b_0_1183:notes"/>
+          <p:cNvSpPr/>
+          <p:nvPr>
+            <p:ph type="sldImg" idx="2"/>
+          </p:nvPr>
+        </p:nvSpPr>
+        <p:spPr>
+          <a:xfrm>
+            <a:off x="381300" y="685800"/>
+            <a:ext cx="6096000" cy="3429000"/>
+          </a:xfrm>
+          <a:custGeom>
+            <a:avLst/>
+            <a:gdLst/>
+            <a:ahLst/>
+            <a:cxnLst/>
+            <a:rect l="l" t="t" r="r" b="b"/>
+            <a:pathLst>
+              <a:path w="120000" h="120000" extrusionOk="0">
+                <a:moveTo>
+                  <a:pt x="0" y="0"/>
+                </a:moveTo>
+                <a:lnTo>
+                  <a:pt x="120000" y="0"/>
+                </a:lnTo>
+                <a:lnTo>
+                  <a:pt x="120000" y="120000"/>
+                </a:lnTo>
+                <a:lnTo>
+                  <a:pt x="0" y="120000"/>
+                </a:lnTo>
+                <a:close/>
+              </a:path>
+            </a:pathLst>
+          </a:custGeom>
+        </p:spPr>
+      </p:sp>
+      <p:sp>
+        <p:nvSpPr>
+          <p:cNvPr id="280" name="Google Shape;280;g136495c3f6b_0_1183:notes"/>
           <p:cNvSpPr txBox="1"/>
           <p:nvPr>
             <p:ph type="body" idx="1"/>
@@ -3021,105 +2721,6 @@
 </p:notes>
 </file>
 
-<file path=ppt/notesSlides/notesSlide30.xml><?xml version="1.0" encoding="utf-8"?>
-<p:notes xmlns:a="http://schemas.openxmlformats.org/drawingml/2006/main" xmlns:r="http://schemas.openxmlformats.org/officeDocument/2006/relationships" xmlns:p="http://schemas.openxmlformats.org/presentationml/2006/main" showMasterPhAnim="0" showMasterSp="0">
-  <p:cSld>
-    <p:spTree>
-      <p:nvGrpSpPr>
-        <p:cNvPr id="278" name="Shape 278"/>
-        <p:cNvGrpSpPr/>
-        <p:nvPr/>
-      </p:nvGrpSpPr>
-      <p:grpSpPr>
-        <a:xfrm>
-          <a:off x="0" y="0"/>
-          <a:ext cx="0" cy="0"/>
-          <a:chOff x="0" y="0"/>
-          <a:chExt cx="0" cy="0"/>
-        </a:xfrm>
-      </p:grpSpPr>
-      <p:sp>
-        <p:nvSpPr>
-          <p:cNvPr id="279" name="Google Shape;279;g136495c3f6b_0_1183:notes"/>
-          <p:cNvSpPr/>
-          <p:nvPr>
-            <p:ph type="sldImg" idx="2"/>
-          </p:nvPr>
-        </p:nvSpPr>
-        <p:spPr>
-          <a:xfrm>
-            <a:off x="381300" y="685800"/>
-            <a:ext cx="6096000" cy="3429000"/>
-          </a:xfrm>
-          <a:custGeom>
-            <a:avLst/>
-            <a:gdLst/>
-            <a:ahLst/>
-            <a:cxnLst/>
-            <a:rect l="l" t="t" r="r" b="b"/>
-            <a:pathLst>
-              <a:path w="120000" h="120000" extrusionOk="0">
-                <a:moveTo>
-                  <a:pt x="0" y="0"/>
-                </a:moveTo>
-                <a:lnTo>
-                  <a:pt x="120000" y="0"/>
-                </a:lnTo>
-                <a:lnTo>
-                  <a:pt x="120000" y="120000"/>
-                </a:lnTo>
-                <a:lnTo>
-                  <a:pt x="0" y="120000"/>
-                </a:lnTo>
-                <a:close/>
-              </a:path>
-            </a:pathLst>
-          </a:custGeom>
-        </p:spPr>
-      </p:sp>
-      <p:sp>
-        <p:nvSpPr>
-          <p:cNvPr id="280" name="Google Shape;280;g136495c3f6b_0_1183:notes"/>
-          <p:cNvSpPr txBox="1"/>
-          <p:nvPr>
-            <p:ph type="body" idx="1"/>
-          </p:nvPr>
-        </p:nvSpPr>
-        <p:spPr>
-          <a:xfrm>
-            <a:off x="685800" y="4343400"/>
-            <a:ext cx="5486400" cy="4114800"/>
-          </a:xfrm>
-          <a:prstGeom prst="rect">
-            <a:avLst/>
-          </a:prstGeom>
-        </p:spPr>
-        <p:txBody>
-          <a:bodyPr spcFirstLastPara="1" wrap="square" lIns="91425" tIns="91425" rIns="91425" bIns="91425" anchor="t" anchorCtr="0">
-            <a:noAutofit/>
-          </a:bodyPr>
-          <a:lstStyle/>
-          <a:p>
-            <a:pPr marL="0" lvl="0" indent="0" algn="l" rtl="0">
-              <a:spcBef>
-                <a:spcPts val="0"/>
-              </a:spcBef>
-              <a:spcAft>
-                <a:spcPts val="0"/>
-              </a:spcAft>
-              <a:buNone/>
-            </a:pPr>
-          </a:p>
-        </p:txBody>
-      </p:sp>
-    </p:spTree>
-  </p:cSld>
-  <p:clrMapOvr>
-    <a:masterClrMapping/>
-  </p:clrMapOvr>
-</p:notes>
-</file>
-
 <file path=ppt/notesSlides/notesSlide4.xml><?xml version="1.0" encoding="utf-8"?>
 <p:notes xmlns:a="http://schemas.openxmlformats.org/drawingml/2006/main" xmlns:r="http://schemas.openxmlformats.org/officeDocument/2006/relationships" xmlns:p="http://schemas.openxmlformats.org/presentationml/2006/main" showMasterPhAnim="0" showMasterSp="0">
   <p:cSld>
@@ -3323,7 +2924,7 @@
   <p:cSld>
     <p:spTree>
       <p:nvGrpSpPr>
-        <p:cNvPr id="105" name="Shape 105"/>
+        <p:cNvPr id="119" name="Shape 119"/>
         <p:cNvGrpSpPr/>
         <p:nvPr/>
       </p:nvGrpSpPr>
@@ -3337,7 +2938,7 @@
       </p:grpSpPr>
       <p:sp>
         <p:nvSpPr>
-          <p:cNvPr id="106" name="Google Shape;106;g136495c3f6b_0_1084:notes"/>
+          <p:cNvPr id="120" name="Google Shape;120;g13773cfbebf_0_1:notes"/>
           <p:cNvSpPr/>
           <p:nvPr>
             <p:ph type="sldImg" idx="2"/>
@@ -3376,7 +2977,7 @@
       </p:sp>
       <p:sp>
         <p:nvSpPr>
-          <p:cNvPr id="107" name="Google Shape;107;g136495c3f6b_0_1084:notes"/>
+          <p:cNvPr id="121" name="Google Shape;121;g13773cfbebf_0_1:notes"/>
           <p:cNvSpPr txBox="1"/>
           <p:nvPr>
             <p:ph type="body" idx="1"/>
@@ -3418,105 +3019,6 @@
 </file>
 
 <file path=ppt/notesSlides/notesSlide7.xml><?xml version="1.0" encoding="utf-8"?>
-<p:notes xmlns:a="http://schemas.openxmlformats.org/drawingml/2006/main" xmlns:r="http://schemas.openxmlformats.org/officeDocument/2006/relationships" xmlns:p="http://schemas.openxmlformats.org/presentationml/2006/main" showMasterPhAnim="0" showMasterSp="0">
-  <p:cSld>
-    <p:spTree>
-      <p:nvGrpSpPr>
-        <p:cNvPr id="112" name="Shape 112"/>
-        <p:cNvGrpSpPr/>
-        <p:nvPr/>
-      </p:nvGrpSpPr>
-      <p:grpSpPr>
-        <a:xfrm>
-          <a:off x="0" y="0"/>
-          <a:ext cx="0" cy="0"/>
-          <a:chOff x="0" y="0"/>
-          <a:chExt cx="0" cy="0"/>
-        </a:xfrm>
-      </p:grpSpPr>
-      <p:sp>
-        <p:nvSpPr>
-          <p:cNvPr id="113" name="Google Shape;113;g136495c3f6b_0_1199:notes"/>
-          <p:cNvSpPr/>
-          <p:nvPr>
-            <p:ph type="sldImg" idx="2"/>
-          </p:nvPr>
-        </p:nvSpPr>
-        <p:spPr>
-          <a:xfrm>
-            <a:off x="381300" y="685800"/>
-            <a:ext cx="6096000" cy="3429000"/>
-          </a:xfrm>
-          <a:custGeom>
-            <a:avLst/>
-            <a:gdLst/>
-            <a:ahLst/>
-            <a:cxnLst/>
-            <a:rect l="l" t="t" r="r" b="b"/>
-            <a:pathLst>
-              <a:path w="120000" h="120000" extrusionOk="0">
-                <a:moveTo>
-                  <a:pt x="0" y="0"/>
-                </a:moveTo>
-                <a:lnTo>
-                  <a:pt x="120000" y="0"/>
-                </a:lnTo>
-                <a:lnTo>
-                  <a:pt x="120000" y="120000"/>
-                </a:lnTo>
-                <a:lnTo>
-                  <a:pt x="0" y="120000"/>
-                </a:lnTo>
-                <a:close/>
-              </a:path>
-            </a:pathLst>
-          </a:custGeom>
-        </p:spPr>
-      </p:sp>
-      <p:sp>
-        <p:nvSpPr>
-          <p:cNvPr id="114" name="Google Shape;114;g136495c3f6b_0_1199:notes"/>
-          <p:cNvSpPr txBox="1"/>
-          <p:nvPr>
-            <p:ph type="body" idx="1"/>
-          </p:nvPr>
-        </p:nvSpPr>
-        <p:spPr>
-          <a:xfrm>
-            <a:off x="685800" y="4343400"/>
-            <a:ext cx="5486400" cy="4114800"/>
-          </a:xfrm>
-          <a:prstGeom prst="rect">
-            <a:avLst/>
-          </a:prstGeom>
-        </p:spPr>
-        <p:txBody>
-          <a:bodyPr spcFirstLastPara="1" wrap="square" lIns="91425" tIns="91425" rIns="91425" bIns="91425" anchor="t" anchorCtr="0">
-            <a:noAutofit/>
-          </a:bodyPr>
-          <a:lstStyle/>
-          <a:p>
-            <a:pPr marL="0" lvl="0" indent="0" algn="l" rtl="0">
-              <a:spcBef>
-                <a:spcPts val="0"/>
-              </a:spcBef>
-              <a:spcAft>
-                <a:spcPts val="0"/>
-              </a:spcAft>
-              <a:buNone/>
-            </a:pPr>
-          </a:p>
-        </p:txBody>
-      </p:sp>
-    </p:spTree>
-  </p:cSld>
-  <p:clrMapOvr>
-    <a:masterClrMapping/>
-  </p:clrMapOvr>
-</p:notes>
-</file>
-
-<file path=ppt/notesSlides/notesSlide8.xml><?xml version="1.0" encoding="utf-8"?>
 <p:notes xmlns:a="http://schemas.openxmlformats.org/drawingml/2006/main" xmlns:r="http://schemas.openxmlformats.org/officeDocument/2006/relationships" xmlns:p="http://schemas.openxmlformats.org/presentationml/2006/main" showMasterPhAnim="0" showMasterSp="0">
   <p:cSld>
     <p:spTree>
@@ -3615,7 +3117,7 @@
 </p:notes>
 </file>
 
-<file path=ppt/notesSlides/notesSlide9.xml><?xml version="1.0" encoding="utf-8"?>
+<file path=ppt/notesSlides/notesSlide8.xml><?xml version="1.0" encoding="utf-8"?>
 <p:notes xmlns:a="http://schemas.openxmlformats.org/drawingml/2006/main" xmlns:r="http://schemas.openxmlformats.org/officeDocument/2006/relationships" xmlns:p="http://schemas.openxmlformats.org/presentationml/2006/main" showMasterPhAnim="0" showMasterSp="0">
   <p:cSld>
     <p:spTree>
@@ -3674,6 +3176,105 @@
       <p:sp>
         <p:nvSpPr>
           <p:cNvPr id="129" name="Google Shape;129;g13773cfbebf_0_12:notes"/>
+          <p:cNvSpPr txBox="1"/>
+          <p:nvPr>
+            <p:ph type="body" idx="1"/>
+          </p:nvPr>
+        </p:nvSpPr>
+        <p:spPr>
+          <a:xfrm>
+            <a:off x="685800" y="4343400"/>
+            <a:ext cx="5486400" cy="4114800"/>
+          </a:xfrm>
+          <a:prstGeom prst="rect">
+            <a:avLst/>
+          </a:prstGeom>
+        </p:spPr>
+        <p:txBody>
+          <a:bodyPr spcFirstLastPara="1" wrap="square" lIns="91425" tIns="91425" rIns="91425" bIns="91425" anchor="t" anchorCtr="0">
+            <a:noAutofit/>
+          </a:bodyPr>
+          <a:lstStyle/>
+          <a:p>
+            <a:pPr marL="0" lvl="0" indent="0" algn="l" rtl="0">
+              <a:spcBef>
+                <a:spcPts val="0"/>
+              </a:spcBef>
+              <a:spcAft>
+                <a:spcPts val="0"/>
+              </a:spcAft>
+              <a:buNone/>
+            </a:pPr>
+          </a:p>
+        </p:txBody>
+      </p:sp>
+    </p:spTree>
+  </p:cSld>
+  <p:clrMapOvr>
+    <a:masterClrMapping/>
+  </p:clrMapOvr>
+</p:notes>
+</file>
+
+<file path=ppt/notesSlides/notesSlide9.xml><?xml version="1.0" encoding="utf-8"?>
+<p:notes xmlns:a="http://schemas.openxmlformats.org/drawingml/2006/main" xmlns:r="http://schemas.openxmlformats.org/officeDocument/2006/relationships" xmlns:p="http://schemas.openxmlformats.org/presentationml/2006/main" showMasterPhAnim="0" showMasterSp="0">
+  <p:cSld>
+    <p:spTree>
+      <p:nvGrpSpPr>
+        <p:cNvPr id="135" name="Shape 135"/>
+        <p:cNvGrpSpPr/>
+        <p:nvPr/>
+      </p:nvGrpSpPr>
+      <p:grpSpPr>
+        <a:xfrm>
+          <a:off x="0" y="0"/>
+          <a:ext cx="0" cy="0"/>
+          <a:chOff x="0" y="0"/>
+          <a:chExt cx="0" cy="0"/>
+        </a:xfrm>
+      </p:grpSpPr>
+      <p:sp>
+        <p:nvSpPr>
+          <p:cNvPr id="136" name="Google Shape;136;g136495c3f6b_0_1112:notes"/>
+          <p:cNvSpPr/>
+          <p:nvPr>
+            <p:ph type="sldImg" idx="2"/>
+          </p:nvPr>
+        </p:nvSpPr>
+        <p:spPr>
+          <a:xfrm>
+            <a:off x="381300" y="685800"/>
+            <a:ext cx="6096000" cy="3429000"/>
+          </a:xfrm>
+          <a:custGeom>
+            <a:avLst/>
+            <a:gdLst/>
+            <a:ahLst/>
+            <a:cxnLst/>
+            <a:rect l="l" t="t" r="r" b="b"/>
+            <a:pathLst>
+              <a:path w="120000" h="120000" extrusionOk="0">
+                <a:moveTo>
+                  <a:pt x="0" y="0"/>
+                </a:moveTo>
+                <a:lnTo>
+                  <a:pt x="120000" y="0"/>
+                </a:lnTo>
+                <a:lnTo>
+                  <a:pt x="120000" y="120000"/>
+                </a:lnTo>
+                <a:lnTo>
+                  <a:pt x="0" y="120000"/>
+                </a:lnTo>
+                <a:close/>
+              </a:path>
+            </a:pathLst>
+          </a:custGeom>
+        </p:spPr>
+      </p:sp>
+      <p:sp>
+        <p:nvSpPr>
+          <p:cNvPr id="137" name="Google Shape;137;g136495c3f6b_0_1112:notes"/>
           <p:cNvSpPr txBox="1"/>
           <p:nvPr>
             <p:ph type="body" idx="1"/>
@@ -9556,7 +9157,7 @@
       </p:pic>
       <p:sp>
         <p:nvSpPr>
-          <p:cNvPr id="1" name="Google Shape;67;p14"/>
+          <p:cNvPr id="3" name="Google Shape;67;p14"/>
           <p:cNvSpPr txBox="1"/>
           <p:nvPr/>
         </p:nvSpPr>
@@ -10150,7 +9751,7 @@
         </p:spPr>
         <p:txBody>
           <a:bodyPr spcFirstLastPara="1" wrap="square" lIns="91425" tIns="91425" rIns="91425" bIns="91425" anchor="t" anchorCtr="0">
-            <a:normAutofit fontScale="70000"/>
+            <a:normAutofit fontScale="60000"/>
           </a:bodyPr>
           <a:lstStyle/>
           <a:p>
@@ -10211,7 +9812,97 @@
                 <a:cs typeface="Work Sans"/>
                 <a:sym typeface="Work Sans"/>
               </a:rPr>
-              <a:t>With a high recall on the 'Yes' class, we want to be sure to target all possible customers that will accept the card offer. However after the analysis the 'high' recall gives a low 'precision' on the 'Yes' class. Let's take a look of the recall for these benchmark models:</a:t>
+              <a:t>With a high recall on the '</a:t>
+            </a:r>
+            <a:r>
+              <a:rPr lang="en-US" altLang="en-GB" sz="1495">
+                <a:latin typeface="Work Sans"/>
+                <a:ea typeface="Work Sans"/>
+                <a:cs typeface="Work Sans"/>
+                <a:sym typeface="Work Sans"/>
+              </a:rPr>
+              <a:t>Negative</a:t>
+            </a:r>
+            <a:r>
+              <a:rPr lang="en-GB" sz="1495">
+                <a:latin typeface="Work Sans"/>
+                <a:ea typeface="Work Sans"/>
+                <a:cs typeface="Work Sans"/>
+                <a:sym typeface="Work Sans"/>
+              </a:rPr>
+              <a:t>' class, we want to be sure </a:t>
+            </a:r>
+            <a:r>
+              <a:rPr lang="en-US" altLang="en-GB" sz="1495">
+                <a:latin typeface="Work Sans"/>
+                <a:ea typeface="Work Sans"/>
+                <a:cs typeface="Work Sans"/>
+                <a:sym typeface="Work Sans"/>
+              </a:rPr>
+              <a:t>t</a:t>
+            </a:r>
+            <a:r>
+              <a:rPr lang="en-GB" sz="1495">
+                <a:latin typeface="Work Sans"/>
+                <a:ea typeface="Work Sans"/>
+                <a:cs typeface="Work Sans"/>
+                <a:sym typeface="Work Sans"/>
+              </a:rPr>
+              <a:t>o</a:t>
+            </a:r>
+            <a:r>
+              <a:rPr lang="en-US" altLang="en-GB" sz="1495">
+                <a:latin typeface="Work Sans"/>
+                <a:ea typeface="Work Sans"/>
+                <a:cs typeface="Work Sans"/>
+                <a:sym typeface="Work Sans"/>
+              </a:rPr>
+              <a:t> avoid misdiagnosing patients as Negative for Diabetes when in fact they did have the disease</a:t>
+            </a:r>
+            <a:r>
+              <a:rPr lang="en-GB" sz="1495">
+                <a:latin typeface="Work Sans"/>
+                <a:ea typeface="Work Sans"/>
+                <a:cs typeface="Work Sans"/>
+                <a:sym typeface="Work Sans"/>
+              </a:rPr>
+              <a:t>. However after the analysis the 'high' recall gives a low 'precision' on the '</a:t>
+            </a:r>
+            <a:r>
+              <a:rPr lang="en-US" altLang="en-GB" sz="1495">
+                <a:latin typeface="Work Sans"/>
+                <a:ea typeface="Work Sans"/>
+                <a:cs typeface="Work Sans"/>
+                <a:sym typeface="Work Sans"/>
+              </a:rPr>
+              <a:t>Positive</a:t>
+            </a:r>
+            <a:r>
+              <a:rPr lang="en-GB" sz="1495">
+                <a:latin typeface="Work Sans"/>
+                <a:ea typeface="Work Sans"/>
+                <a:cs typeface="Work Sans"/>
+                <a:sym typeface="Work Sans"/>
+              </a:rPr>
+              <a:t>' class. Let's take a look </a:t>
+            </a:r>
+            <a:r>
+              <a:rPr lang="en-US" altLang="en-GB" sz="1495">
+                <a:latin typeface="Work Sans"/>
+                <a:ea typeface="Work Sans"/>
+                <a:cs typeface="Work Sans"/>
+                <a:sym typeface="Work Sans"/>
+              </a:rPr>
+              <a:t>at</a:t>
+            </a:r>
+            <a:r>
+              <a:rPr lang="en-GB" sz="1495">
+                <a:latin typeface="Work Sans"/>
+                <a:ea typeface="Work Sans"/>
+                <a:cs typeface="Work Sans"/>
+                <a:sym typeface="Work Sans"/>
+              </a:rPr>
+              <a:t> the recall for these benchmark models:</a:t>
             </a:r>
             <a:endParaRPr sz="1495">
               <a:latin typeface="Work Sans"/>
@@ -10222,38 +9913,6 @@
           </a:p>
         </p:txBody>
       </p:sp>
-      <p:pic>
-        <p:nvPicPr>
-          <p:cNvPr id="146" name="Google Shape;146;p24"/>
-          <p:cNvPicPr preferRelativeResize="0"/>
-          <p:nvPr/>
-        </p:nvPicPr>
-        <p:blipFill>
-          <a:blip r:embed="rId1"/>
-          <a:stretch>
-            <a:fillRect/>
-          </a:stretch>
-        </p:blipFill>
-        <p:spPr>
-          <a:xfrm>
-            <a:off x="311688" y="2709150"/>
-            <a:ext cx="5076825" cy="2266950"/>
-          </a:xfrm>
-          <a:prstGeom prst="rect">
-            <a:avLst/>
-          </a:prstGeom>
-          <a:noFill/>
-          <a:ln w="19050" cap="flat" cmpd="sng">
-            <a:solidFill>
-              <a:schemeClr val="lt2"/>
-            </a:solidFill>
-            <a:prstDash val="dot"/>
-            <a:round/>
-            <a:headEnd type="none" w="sm" len="sm"/>
-            <a:tailEnd type="none" w="sm" len="sm"/>
-          </a:ln>
-        </p:spPr>
-      </p:pic>
       <p:sp>
         <p:nvSpPr>
           <p:cNvPr id="147" name="Google Shape;147;p24"/>
@@ -10357,7 +10016,16 @@
                 <a:cs typeface="Work Sans"/>
                 <a:sym typeface="Work Sans"/>
               </a:rPr>
-              <a:t>- MinMax applied to numerical data</a:t>
+              <a:t>- </a:t>
+            </a:r>
+            <a:r>
+              <a:rPr lang="en-US" altLang="en-GB" sz="1015">
+                <a:latin typeface="Work Sans"/>
+                <a:ea typeface="Work Sans"/>
+                <a:cs typeface="Work Sans"/>
+                <a:sym typeface="Work Sans"/>
+              </a:rPr>
+              <a:t>No scaler applied</a:t>
             </a:r>
             <a:endParaRPr sz="1015">
               <a:latin typeface="Work Sans"/>
@@ -10386,7 +10054,16 @@
                 <a:cs typeface="Work Sans"/>
                 <a:sym typeface="Work Sans"/>
               </a:rPr>
-              <a:t>- One Hot Encoder applied to categorical data</a:t>
+              <a:t>- </a:t>
+            </a:r>
+            <a:r>
+              <a:rPr lang="en-US" altLang="en-GB" sz="1015">
+                <a:latin typeface="Work Sans"/>
+                <a:ea typeface="Work Sans"/>
+                <a:cs typeface="Work Sans"/>
+                <a:sym typeface="Work Sans"/>
+              </a:rPr>
+              <a:t>No encoding needed</a:t>
             </a:r>
             <a:endParaRPr sz="1015">
               <a:latin typeface="Work Sans"/>
@@ -10444,7 +10121,25 @@
                 <a:cs typeface="Work Sans"/>
                 <a:sym typeface="Work Sans"/>
               </a:rPr>
-              <a:t>- No consideration of Multicollinearity</a:t>
+              <a:t>- </a:t>
+            </a:r>
+            <a:r>
+              <a:rPr lang="en-US" altLang="en-GB" sz="1015">
+                <a:latin typeface="Work Sans"/>
+                <a:ea typeface="Work Sans"/>
+                <a:cs typeface="Work Sans"/>
+                <a:sym typeface="Work Sans"/>
+              </a:rPr>
+              <a:t>C</a:t>
+            </a:r>
+            <a:r>
+              <a:rPr lang="en-GB" sz="1015">
+                <a:latin typeface="Work Sans"/>
+                <a:ea typeface="Work Sans"/>
+                <a:cs typeface="Work Sans"/>
+                <a:sym typeface="Work Sans"/>
+              </a:rPr>
+              <a:t>onsideration of Multicollinearity</a:t>
             </a:r>
             <a:endParaRPr sz="1015">
               <a:latin typeface="Work Sans"/>
@@ -10473,7 +10168,16 @@
                 <a:cs typeface="Work Sans"/>
                 <a:sym typeface="Work Sans"/>
               </a:rPr>
-              <a:t>- Yes to balanced Dataset (high imbalance)</a:t>
+              <a:t>- </a:t>
+            </a:r>
+            <a:r>
+              <a:rPr lang="en-US" altLang="en-GB" sz="1015">
+                <a:latin typeface="Work Sans"/>
+                <a:ea typeface="Work Sans"/>
+                <a:cs typeface="Work Sans"/>
+                <a:sym typeface="Work Sans"/>
+              </a:rPr>
+              <a:t>No balancer applied</a:t>
             </a:r>
             <a:endParaRPr sz="1015">
               <a:latin typeface="Work Sans"/>
@@ -10542,6 +10246,30 @@
           </a:p>
         </p:txBody>
       </p:sp>
+      <p:pic>
+        <p:nvPicPr>
+          <p:cNvPr id="1" name="Picture 0"/>
+          <p:cNvPicPr>
+            <a:picLocks noChangeAspect="1"/>
+          </p:cNvPicPr>
+          <p:nvPr/>
+        </p:nvPicPr>
+        <p:blipFill>
+          <a:blip r:embed="rId1"/>
+          <a:stretch>
+            <a:fillRect/>
+          </a:stretch>
+        </p:blipFill>
+        <p:spPr>
+          <a:xfrm>
+            <a:off x="1195705" y="2625090"/>
+            <a:ext cx="3308985" cy="2457450"/>
+          </a:xfrm>
+          <a:prstGeom prst="rect">
+            <a:avLst/>
+          </a:prstGeom>
+        </p:spPr>
+      </p:pic>
     </p:spTree>
   </p:cSld>
   <p:clrMapOvr>
@@ -10551,123 +10279,6 @@
 </file>
 
 <file path=ppt/slides/slide12.xml><?xml version="1.0" encoding="utf-8"?>
-<p:sld xmlns:a="http://schemas.openxmlformats.org/drawingml/2006/main" xmlns:r="http://schemas.openxmlformats.org/officeDocument/2006/relationships" xmlns:p="http://schemas.openxmlformats.org/presentationml/2006/main">
-  <p:cSld>
-    <p:spTree>
-      <p:nvGrpSpPr>
-        <p:cNvPr id="151" name="Shape 151"/>
-        <p:cNvGrpSpPr/>
-        <p:nvPr/>
-      </p:nvGrpSpPr>
-      <p:grpSpPr>
-        <a:xfrm>
-          <a:off x="0" y="0"/>
-          <a:ext cx="0" cy="0"/>
-          <a:chOff x="0" y="0"/>
-          <a:chExt cx="0" cy="0"/>
-        </a:xfrm>
-      </p:grpSpPr>
-      <p:sp>
-        <p:nvSpPr>
-          <p:cNvPr id="152" name="Google Shape;152;p25"/>
-          <p:cNvSpPr txBox="1"/>
-          <p:nvPr>
-            <p:ph type="title"/>
-          </p:nvPr>
-        </p:nvSpPr>
-        <p:spPr>
-          <a:xfrm>
-            <a:off x="311700" y="216425"/>
-            <a:ext cx="8520600" cy="572700"/>
-          </a:xfrm>
-          <a:prstGeom prst="rect">
-            <a:avLst/>
-          </a:prstGeom>
-        </p:spPr>
-        <p:txBody>
-          <a:bodyPr spcFirstLastPara="1" wrap="square" lIns="91425" tIns="91425" rIns="91425" bIns="91425" anchor="t" anchorCtr="0">
-            <a:normAutofit fontScale="90000"/>
-          </a:bodyPr>
-          <a:lstStyle/>
-          <a:p>
-            <a:pPr marL="0" lvl="0" indent="0" algn="l" rtl="0">
-              <a:spcBef>
-                <a:spcPts val="0"/>
-              </a:spcBef>
-              <a:spcAft>
-                <a:spcPts val="0"/>
-              </a:spcAft>
-              <a:buNone/>
-            </a:pPr>
-            <a:r>
-              <a:rPr lang="en-GB">
-                <a:solidFill>
-                  <a:schemeClr val="lt1"/>
-                </a:solidFill>
-                <a:highlight>
-                  <a:schemeClr val="dk1"/>
-                </a:highlight>
-                <a:latin typeface="Raleway"/>
-                <a:ea typeface="Raleway"/>
-                <a:cs typeface="Raleway"/>
-                <a:sym typeface="Raleway"/>
-              </a:rPr>
-              <a:t>03</a:t>
-            </a:r>
-            <a:r>
-              <a:rPr lang="en-GB">
-                <a:latin typeface="Raleway"/>
-                <a:ea typeface="Raleway"/>
-                <a:cs typeface="Raleway"/>
-                <a:sym typeface="Raleway"/>
-              </a:rPr>
-              <a:t> Benchmark</a:t>
-            </a:r>
-            <a:endParaRPr>
-              <a:latin typeface="Raleway"/>
-              <a:ea typeface="Raleway"/>
-              <a:cs typeface="Raleway"/>
-              <a:sym typeface="Raleway"/>
-            </a:endParaRPr>
-          </a:p>
-        </p:txBody>
-      </p:sp>
-      <p:pic>
-        <p:nvPicPr>
-          <p:cNvPr id="153" name="Google Shape;153;p25"/>
-          <p:cNvPicPr preferRelativeResize="0"/>
-          <p:nvPr/>
-        </p:nvPicPr>
-        <p:blipFill rotWithShape="1">
-          <a:blip r:embed="rId1"/>
-          <a:srcRect l="714"/>
-          <a:stretch>
-            <a:fillRect/>
-          </a:stretch>
-        </p:blipFill>
-        <p:spPr>
-          <a:xfrm>
-            <a:off x="1409550" y="789125"/>
-            <a:ext cx="5973175" cy="4354375"/>
-          </a:xfrm>
-          <a:prstGeom prst="rect">
-            <a:avLst/>
-          </a:prstGeom>
-          <a:noFill/>
-          <a:ln>
-            <a:noFill/>
-          </a:ln>
-        </p:spPr>
-      </p:pic>
-    </p:spTree>
-  </p:cSld>
-  <p:clrMapOvr>
-    <a:masterClrMapping/>
-  </p:clrMapOvr>
-</p:sld>
-</file>
-
-<file path=ppt/slides/slide13.xml><?xml version="1.0" encoding="utf-8"?>
 <p:sld xmlns:a="http://schemas.openxmlformats.org/drawingml/2006/main" xmlns:r="http://schemas.openxmlformats.org/officeDocument/2006/relationships" xmlns:p="http://schemas.openxmlformats.org/presentationml/2006/main">
   <p:cSld>
     <p:spTree>
@@ -11376,7 +10987,7 @@
         <p:spPr>
           <a:xfrm>
             <a:off x="636024" y="4317125"/>
-            <a:ext cx="7798200" cy="615600"/>
+            <a:ext cx="7798200" cy="612140"/>
           </a:xfrm>
           <a:prstGeom prst="rect">
             <a:avLst/>
@@ -11408,7 +11019,25 @@
                 <a:cs typeface="Work Sans"/>
                 <a:sym typeface="Work Sans"/>
               </a:rPr>
-              <a:t>Because the goal of the test is to identify everyone who accepted or could accept the offer, the number of false negatives should be low, which requires </a:t>
+              <a:t>Because the goal of the test is to identify everyone who</a:t>
+            </a:r>
+            <a:r>
+              <a:rPr lang="en-US" altLang="en-GB">
+                <a:latin typeface="Work Sans"/>
+                <a:ea typeface="Work Sans"/>
+                <a:cs typeface="Work Sans"/>
+                <a:sym typeface="Work Sans"/>
+              </a:rPr>
+              <a:t> has the disease or could have it</a:t>
+            </a:r>
+            <a:r>
+              <a:rPr lang="en-GB">
+                <a:latin typeface="Work Sans"/>
+                <a:ea typeface="Work Sans"/>
+                <a:cs typeface="Work Sans"/>
+                <a:sym typeface="Work Sans"/>
+              </a:rPr>
+              <a:t>, the number of false negatives should be low, which requires </a:t>
             </a:r>
             <a:r>
               <a:rPr lang="en-GB" b="1">
@@ -11483,7 +11112,7 @@
 </p:sld>
 </file>
 
-<file path=ppt/slides/slide14.xml><?xml version="1.0" encoding="utf-8"?>
+<file path=ppt/slides/slide13.xml><?xml version="1.0" encoding="utf-8"?>
 <p:sld xmlns:a="http://schemas.openxmlformats.org/drawingml/2006/main" xmlns:r="http://schemas.openxmlformats.org/officeDocument/2006/relationships" xmlns:p="http://schemas.openxmlformats.org/presentationml/2006/main">
   <p:cSld>
     <p:spTree>
@@ -11584,7 +11213,7 @@
         </p:spPr>
         <p:txBody>
           <a:bodyPr spcFirstLastPara="1" wrap="square" lIns="91425" tIns="91425" rIns="91425" bIns="91425" anchor="t" anchorCtr="0">
-            <a:normAutofit fontScale="85000" lnSpcReduction="20000"/>
+            <a:normAutofit fontScale="85000"/>
           </a:bodyPr>
           <a:lstStyle/>
           <a:p>
@@ -11637,7 +11266,43 @@
                 <a:cs typeface="Work Sans"/>
                 <a:sym typeface="Work Sans"/>
               </a:rPr>
-              <a:t>tells us what percentage of clients that accepted the offer were correctly identified.</a:t>
+              <a:t>tells us what percentage of </a:t>
+            </a:r>
+            <a:r>
+              <a:rPr lang="en-US" altLang="en-GB">
+                <a:latin typeface="Work Sans"/>
+                <a:ea typeface="Work Sans"/>
+                <a:cs typeface="Work Sans"/>
+                <a:sym typeface="Work Sans"/>
+              </a:rPr>
+              <a:t>patients </a:t>
+            </a:r>
+            <a:r>
+              <a:rPr lang="en-GB">
+                <a:latin typeface="Work Sans"/>
+                <a:ea typeface="Work Sans"/>
+                <a:cs typeface="Work Sans"/>
+                <a:sym typeface="Work Sans"/>
+              </a:rPr>
+              <a:t>were correctly </a:t>
+            </a:r>
+            <a:r>
+              <a:rPr lang="en-US" altLang="en-GB">
+                <a:latin typeface="Work Sans"/>
+                <a:ea typeface="Work Sans"/>
+                <a:cs typeface="Work Sans"/>
+                <a:sym typeface="Work Sans"/>
+              </a:rPr>
+              <a:t>diagnosed</a:t>
+            </a:r>
+            <a:r>
+              <a:rPr lang="en-GB">
+                <a:latin typeface="Work Sans"/>
+                <a:ea typeface="Work Sans"/>
+                <a:cs typeface="Work Sans"/>
+                <a:sym typeface="Work Sans"/>
+              </a:rPr>
+              <a:t>.</a:t>
             </a:r>
             <a:endParaRPr>
               <a:latin typeface="Work Sans"/>
@@ -11786,7 +11451,25 @@
                 <a:cs typeface="Work Sans"/>
                 <a:sym typeface="Work Sans"/>
               </a:rPr>
-              <a:t>If the goal of the test is to accurately identify people who rejected the offer then the number of false positives should be very low, which requires a high </a:t>
+              <a:t>If the goal of the test is to accurately identify people </a:t>
+            </a:r>
+            <a:r>
+              <a:rPr lang="en-US" altLang="en-GB">
+                <a:latin typeface="Work Sans"/>
+                <a:ea typeface="Work Sans"/>
+                <a:cs typeface="Work Sans"/>
+                <a:sym typeface="Work Sans"/>
+              </a:rPr>
+              <a:t>had negative diagnosis t</a:t>
+            </a:r>
+            <a:r>
+              <a:rPr lang="en-GB">
+                <a:latin typeface="Work Sans"/>
+                <a:ea typeface="Work Sans"/>
+                <a:cs typeface="Work Sans"/>
+                <a:sym typeface="Work Sans"/>
+              </a:rPr>
+              <a:t>hen the number of false positives should be very low, which requires a high </a:t>
             </a:r>
             <a:r>
               <a:rPr lang="en-GB">
@@ -11846,74 +11529,6 @@
                 <a:sym typeface="Work Sans"/>
               </a:rPr>
               <a:t> = TN/(TN+FP)</a:t>
-            </a:r>
-            <a:endParaRPr>
-              <a:latin typeface="Work Sans"/>
-              <a:ea typeface="Work Sans"/>
-              <a:cs typeface="Work Sans"/>
-              <a:sym typeface="Work Sans"/>
-            </a:endParaRPr>
-          </a:p>
-          <a:p>
-            <a:pPr marL="0" lvl="0" indent="0" algn="ctr" rtl="0">
-              <a:spcBef>
-                <a:spcPts val="1200"/>
-              </a:spcBef>
-              <a:spcAft>
-                <a:spcPts val="0"/>
-              </a:spcAft>
-              <a:buNone/>
-            </a:pPr>
-            <a:r>
-              <a:rPr lang="en-GB">
-                <a:latin typeface="Work Sans"/>
-                <a:ea typeface="Work Sans"/>
-                <a:cs typeface="Work Sans"/>
-                <a:sym typeface="Work Sans"/>
-              </a:rPr>
-              <a:t>Balanced accuracy = (</a:t>
-            </a:r>
-            <a:r>
-              <a:rPr lang="en-GB">
-                <a:solidFill>
-                  <a:schemeClr val="accent5"/>
-                </a:solidFill>
-                <a:latin typeface="Work Sans"/>
-                <a:ea typeface="Work Sans"/>
-                <a:cs typeface="Work Sans"/>
-                <a:sym typeface="Work Sans"/>
-              </a:rPr>
-              <a:t>sensitivity</a:t>
-            </a:r>
-            <a:r>
-              <a:rPr lang="en-GB">
-                <a:latin typeface="Work Sans"/>
-                <a:ea typeface="Work Sans"/>
-                <a:cs typeface="Work Sans"/>
-                <a:sym typeface="Work Sans"/>
-              </a:rPr>
-              <a:t> + </a:t>
-            </a:r>
-            <a:r>
-              <a:rPr lang="en-GB">
-                <a:solidFill>
-                  <a:schemeClr val="lt2"/>
-                </a:solidFill>
-                <a:latin typeface="Work Sans"/>
-                <a:ea typeface="Work Sans"/>
-                <a:cs typeface="Work Sans"/>
-                <a:sym typeface="Work Sans"/>
-              </a:rPr>
-              <a:t>specificity</a:t>
-            </a:r>
-            <a:r>
-              <a:rPr lang="en-GB">
-                <a:latin typeface="Work Sans"/>
-                <a:ea typeface="Work Sans"/>
-                <a:cs typeface="Work Sans"/>
-                <a:sym typeface="Work Sans"/>
-              </a:rPr>
-              <a:t>) / 2</a:t>
             </a:r>
             <a:endParaRPr>
               <a:latin typeface="Work Sans"/>
@@ -11949,7 +11564,7 @@
 </p:sld>
 </file>
 
-<file path=ppt/slides/slide15.xml><?xml version="1.0" encoding="utf-8"?>
+<file path=ppt/slides/slide14.xml><?xml version="1.0" encoding="utf-8"?>
 <p:sld xmlns:a="http://schemas.openxmlformats.org/drawingml/2006/main" xmlns:r="http://schemas.openxmlformats.org/officeDocument/2006/relationships" xmlns:p="http://schemas.openxmlformats.org/presentationml/2006/main">
   <p:cSld>
     <p:spTree>
@@ -12029,7 +11644,7 @@
 </p:sld>
 </file>
 
-<file path=ppt/slides/slide16.xml><?xml version="1.0" encoding="utf-8"?>
+<file path=ppt/slides/slide15.xml><?xml version="1.0" encoding="utf-8"?>
 <p:sld xmlns:a="http://schemas.openxmlformats.org/drawingml/2006/main" xmlns:r="http://schemas.openxmlformats.org/officeDocument/2006/relationships" xmlns:p="http://schemas.openxmlformats.org/presentationml/2006/main">
   <p:cSld>
     <p:spTree>
@@ -12120,7 +11735,7 @@
         <p:spPr>
           <a:xfrm>
             <a:off x="1428750" y="2424250"/>
-            <a:ext cx="3936000" cy="2339700"/>
+            <a:ext cx="3936000" cy="1843405"/>
           </a:xfrm>
           <a:prstGeom prst="rect">
             <a:avLst/>
@@ -12244,46 +11859,6 @@
                 <a:sym typeface="Proxima Nova" panose="02000506030000020004"/>
               </a:rPr>
               <a:t>Handling Multicollinearity</a:t>
-            </a:r>
-            <a:endParaRPr sz="1800">
-              <a:solidFill>
-                <a:schemeClr val="accent3"/>
-              </a:solidFill>
-              <a:latin typeface="Proxima Nova" panose="02000506030000020004"/>
-              <a:ea typeface="Proxima Nova" panose="02000506030000020004"/>
-              <a:cs typeface="Proxima Nova" panose="02000506030000020004"/>
-              <a:sym typeface="Proxima Nova" panose="02000506030000020004"/>
-            </a:endParaRPr>
-          </a:p>
-          <a:p>
-            <a:pPr marL="457200" lvl="0" indent="-355600" algn="l" rtl="0">
-              <a:lnSpc>
-                <a:spcPct val="150000"/>
-              </a:lnSpc>
-              <a:spcBef>
-                <a:spcPts val="0"/>
-              </a:spcBef>
-              <a:spcAft>
-                <a:spcPts val="0"/>
-              </a:spcAft>
-              <a:buClr>
-                <a:schemeClr val="lt2"/>
-              </a:buClr>
-              <a:buSzPts val="2000"/>
-              <a:buFont typeface="Proxima Nova" panose="02000506030000020004"/>
-              <a:buAutoNum type="arabicPeriod"/>
-            </a:pPr>
-            <a:r>
-              <a:rPr lang="en-GB" sz="1800">
-                <a:solidFill>
-                  <a:schemeClr val="accent3"/>
-                </a:solidFill>
-                <a:latin typeface="Proxima Nova" panose="02000506030000020004"/>
-                <a:ea typeface="Proxima Nova" panose="02000506030000020004"/>
-                <a:cs typeface="Proxima Nova" panose="02000506030000020004"/>
-                <a:sym typeface="Proxima Nova" panose="02000506030000020004"/>
-              </a:rPr>
-              <a:t>Outliers</a:t>
             </a:r>
             <a:endParaRPr sz="1800">
               <a:solidFill>
@@ -12346,7 +11921,7 @@
         <p:spPr>
           <a:xfrm>
             <a:off x="903300" y="995525"/>
-            <a:ext cx="7337400" cy="1293000"/>
+            <a:ext cx="7337400" cy="1428115"/>
           </a:xfrm>
           <a:prstGeom prst="rect">
             <a:avLst/>
@@ -12375,7 +11950,7 @@
               <a:buNone/>
             </a:pPr>
             <a:r>
-              <a:rPr lang="en-GB" sz="1800" b="1" i="1">
+              <a:rPr lang="en-US" altLang="en-GB" sz="1800" b="1" i="1">
                 <a:solidFill>
                   <a:schemeClr val="lt2"/>
                 </a:solidFill>
@@ -12384,7 +11959,7 @@
                 <a:cs typeface="Proxima Nova" panose="02000506030000020004"/>
                 <a:sym typeface="Proxima Nova" panose="02000506030000020004"/>
               </a:rPr>
-              <a:t>Logistic Regression and Naive Bayes (Multinomial)</a:t>
+              <a:t>During the benchmark no significat difference could be seen from the analysis further research was necessary</a:t>
             </a:r>
             <a:r>
               <a:rPr lang="en-GB" sz="1800">
@@ -12422,7 +11997,7 @@
               <a:buNone/>
             </a:pPr>
             <a:r>
-              <a:rPr lang="en-GB" sz="1800">
+              <a:rPr lang="en-US" altLang="en-GB" sz="1800">
                 <a:solidFill>
                   <a:schemeClr val="accent3"/>
                 </a:solidFill>
@@ -12431,7 +12006,19 @@
                 <a:cs typeface="Proxima Nova" panose="02000506030000020004"/>
                 <a:sym typeface="Proxima Nova" panose="02000506030000020004"/>
               </a:rPr>
-              <a:t>These models seem to have the best performance on the classification for this reason they will now be optimized in this way:</a:t>
+              <a:t>The data </a:t>
+            </a:r>
+            <a:r>
+              <a:rPr lang="en-GB" sz="1800">
+                <a:solidFill>
+                  <a:schemeClr val="accent3"/>
+                </a:solidFill>
+                <a:latin typeface="Proxima Nova" panose="02000506030000020004"/>
+                <a:ea typeface="Proxima Nova" panose="02000506030000020004"/>
+                <a:cs typeface="Proxima Nova" panose="02000506030000020004"/>
+                <a:sym typeface="Proxima Nova" panose="02000506030000020004"/>
+              </a:rPr>
+              <a:t>will now be optimized in this way:</a:t>
             </a:r>
             <a:endParaRPr sz="1800">
               <a:solidFill>
@@ -12445,6 +12032,120 @@
           </a:p>
         </p:txBody>
       </p:sp>
+    </p:spTree>
+  </p:cSld>
+  <p:clrMapOvr>
+    <a:masterClrMapping/>
+  </p:clrMapOvr>
+</p:sld>
+</file>
+
+<file path=ppt/slides/slide16.xml><?xml version="1.0" encoding="utf-8"?>
+<p:sld xmlns:a="http://schemas.openxmlformats.org/drawingml/2006/main" xmlns:r="http://schemas.openxmlformats.org/officeDocument/2006/relationships" xmlns:p="http://schemas.openxmlformats.org/presentationml/2006/main">
+  <p:cSld>
+    <p:spTree>
+      <p:nvGrpSpPr>
+        <p:cNvPr id="195" name="Shape 195"/>
+        <p:cNvGrpSpPr/>
+        <p:nvPr/>
+      </p:nvGrpSpPr>
+      <p:grpSpPr>
+        <a:xfrm>
+          <a:off x="0" y="0"/>
+          <a:ext cx="0" cy="0"/>
+          <a:chOff x="0" y="0"/>
+          <a:chExt cx="0" cy="0"/>
+        </a:xfrm>
+      </p:grpSpPr>
+      <p:sp>
+        <p:nvSpPr>
+          <p:cNvPr id="196" name="Google Shape;196;p30"/>
+          <p:cNvSpPr txBox="1"/>
+          <p:nvPr>
+            <p:ph type="title"/>
+          </p:nvPr>
+        </p:nvSpPr>
+        <p:spPr>
+          <a:xfrm>
+            <a:off x="311700" y="216425"/>
+            <a:ext cx="8520600" cy="572700"/>
+          </a:xfrm>
+          <a:prstGeom prst="rect">
+            <a:avLst/>
+          </a:prstGeom>
+        </p:spPr>
+        <p:txBody>
+          <a:bodyPr spcFirstLastPara="1" wrap="square" lIns="91425" tIns="91425" rIns="91425" bIns="91425" anchor="t" anchorCtr="0">
+            <a:normAutofit fontScale="90000"/>
+          </a:bodyPr>
+          <a:lstStyle/>
+          <a:p>
+            <a:pPr marL="0" lvl="0" indent="0" algn="l" rtl="0">
+              <a:spcBef>
+                <a:spcPts val="0"/>
+              </a:spcBef>
+              <a:spcAft>
+                <a:spcPts val="0"/>
+              </a:spcAft>
+              <a:buNone/>
+            </a:pPr>
+            <a:r>
+              <a:rPr lang="en-GB">
+                <a:solidFill>
+                  <a:schemeClr val="lt1"/>
+                </a:solidFill>
+                <a:highlight>
+                  <a:schemeClr val="dk1"/>
+                </a:highlight>
+                <a:latin typeface="Raleway"/>
+                <a:ea typeface="Raleway"/>
+                <a:cs typeface="Raleway"/>
+                <a:sym typeface="Raleway"/>
+              </a:rPr>
+              <a:t>04</a:t>
+            </a:r>
+            <a:r>
+              <a:rPr lang="en-GB">
+                <a:latin typeface="Raleway"/>
+                <a:ea typeface="Raleway"/>
+                <a:cs typeface="Raleway"/>
+                <a:sym typeface="Raleway"/>
+              </a:rPr>
+              <a:t> Optimizing the model</a:t>
+            </a:r>
+            <a:endParaRPr>
+              <a:latin typeface="Raleway"/>
+              <a:ea typeface="Raleway"/>
+              <a:cs typeface="Raleway"/>
+              <a:sym typeface="Raleway"/>
+            </a:endParaRPr>
+          </a:p>
+        </p:txBody>
+      </p:sp>
+      <p:pic>
+        <p:nvPicPr>
+          <p:cNvPr id="2" name="Picture 1"/>
+          <p:cNvPicPr>
+            <a:picLocks noChangeAspect="1"/>
+          </p:cNvPicPr>
+          <p:nvPr/>
+        </p:nvPicPr>
+        <p:blipFill>
+          <a:blip r:embed="rId1"/>
+          <a:stretch>
+            <a:fillRect/>
+          </a:stretch>
+        </p:blipFill>
+        <p:spPr>
+          <a:xfrm>
+            <a:off x="2147570" y="789305"/>
+            <a:ext cx="4848860" cy="4114165"/>
+          </a:xfrm>
+          <a:prstGeom prst="rect">
+            <a:avLst/>
+          </a:prstGeom>
+        </p:spPr>
+      </p:pic>
     </p:spTree>
   </p:cSld>
   <p:clrMapOvr>
@@ -12537,8 +12238,10 @@
       </p:sp>
       <p:pic>
         <p:nvPicPr>
-          <p:cNvPr id="197" name="Google Shape;197;p30"/>
-          <p:cNvPicPr preferRelativeResize="0"/>
+          <p:cNvPr id="2" name="Picture 1"/>
+          <p:cNvPicPr>
+            <a:picLocks noChangeAspect="1"/>
+          </p:cNvPicPr>
           <p:nvPr/>
         </p:nvPicPr>
         <p:blipFill>
@@ -12549,16 +12252,60 @@
         </p:blipFill>
         <p:spPr>
           <a:xfrm>
-            <a:off x="1144388" y="941525"/>
-            <a:ext cx="6855223" cy="4049575"/>
+            <a:off x="509905" y="1054735"/>
+            <a:ext cx="4294505" cy="1385570"/>
           </a:xfrm>
           <a:prstGeom prst="rect">
             <a:avLst/>
           </a:prstGeom>
-          <a:noFill/>
-          <a:ln>
-            <a:noFill/>
-          </a:ln>
+        </p:spPr>
+      </p:pic>
+      <p:pic>
+        <p:nvPicPr>
+          <p:cNvPr id="3" name="Picture 2"/>
+          <p:cNvPicPr>
+            <a:picLocks noChangeAspect="1"/>
+          </p:cNvPicPr>
+          <p:nvPr/>
+        </p:nvPicPr>
+        <p:blipFill>
+          <a:blip r:embed="rId2"/>
+          <a:stretch>
+            <a:fillRect/>
+          </a:stretch>
+        </p:blipFill>
+        <p:spPr>
+          <a:xfrm>
+            <a:off x="4803140" y="2210435"/>
+            <a:ext cx="4204970" cy="1426210"/>
+          </a:xfrm>
+          <a:prstGeom prst="rect">
+            <a:avLst/>
+          </a:prstGeom>
+        </p:spPr>
+      </p:pic>
+      <p:pic>
+        <p:nvPicPr>
+          <p:cNvPr id="4" name="Picture 3"/>
+          <p:cNvPicPr>
+            <a:picLocks noChangeAspect="1"/>
+          </p:cNvPicPr>
+          <p:nvPr/>
+        </p:nvPicPr>
+        <p:blipFill>
+          <a:blip r:embed="rId3"/>
+          <a:stretch>
+            <a:fillRect/>
+          </a:stretch>
+        </p:blipFill>
+        <p:spPr>
+          <a:xfrm>
+            <a:off x="594360" y="3411855"/>
+            <a:ext cx="4209415" cy="1555750"/>
+          </a:xfrm>
+          <a:prstGeom prst="rect">
+            <a:avLst/>
+          </a:prstGeom>
         </p:spPr>
       </p:pic>
     </p:spTree>
@@ -12653,8 +12400,10 @@
       </p:sp>
       <p:pic>
         <p:nvPicPr>
-          <p:cNvPr id="203" name="Google Shape;203;p31"/>
-          <p:cNvPicPr preferRelativeResize="0"/>
+          <p:cNvPr id="1" name="Picture 0"/>
+          <p:cNvPicPr>
+            <a:picLocks noChangeAspect="1"/>
+          </p:cNvPicPr>
           <p:nvPr/>
         </p:nvPicPr>
         <p:blipFill>
@@ -12665,16 +12414,36 @@
         </p:blipFill>
         <p:spPr>
           <a:xfrm>
-            <a:off x="1115825" y="900350"/>
-            <a:ext cx="6912362" cy="4049575"/>
+            <a:off x="1532255" y="1348105"/>
+            <a:ext cx="6079490" cy="2447925"/>
           </a:xfrm>
           <a:prstGeom prst="rect">
             <a:avLst/>
           </a:prstGeom>
-          <a:noFill/>
-          <a:ln>
-            <a:noFill/>
-          </a:ln>
+        </p:spPr>
+      </p:pic>
+      <p:pic>
+        <p:nvPicPr>
+          <p:cNvPr id="2" name="Picture 1"/>
+          <p:cNvPicPr>
+            <a:picLocks noChangeAspect="1"/>
+          </p:cNvPicPr>
+          <p:nvPr/>
+        </p:nvPicPr>
+        <p:blipFill>
+          <a:blip r:embed="rId2"/>
+          <a:stretch>
+            <a:fillRect/>
+          </a:stretch>
+        </p:blipFill>
+        <p:spPr>
+          <a:xfrm>
+            <a:off x="1532255" y="4029710"/>
+            <a:ext cx="6080125" cy="285750"/>
+          </a:xfrm>
+          <a:prstGeom prst="rect">
+            <a:avLst/>
+          </a:prstGeom>
         </p:spPr>
       </p:pic>
     </p:spTree>
@@ -12690,7 +12459,7 @@
   <p:cSld>
     <p:spTree>
       <p:nvGrpSpPr>
-        <p:cNvPr id="207" name="Shape 207"/>
+        <p:cNvPr id="227" name="Shape 227"/>
         <p:cNvGrpSpPr/>
         <p:nvPr/>
       </p:nvGrpSpPr>
@@ -12704,7 +12473,7 @@
       </p:grpSpPr>
       <p:sp>
         <p:nvSpPr>
-          <p:cNvPr id="208" name="Google Shape;208;p32"/>
+          <p:cNvPr id="228" name="Google Shape;228;p35"/>
           <p:cNvSpPr txBox="1"/>
           <p:nvPr>
             <p:ph type="title"/>
@@ -12712,20 +12481,20 @@
         </p:nvSpPr>
         <p:spPr>
           <a:xfrm>
-            <a:off x="311700" y="216425"/>
-            <a:ext cx="8520600" cy="572700"/>
+            <a:off x="510450" y="2057400"/>
+            <a:ext cx="8123100" cy="778800"/>
           </a:xfrm>
           <a:prstGeom prst="rect">
             <a:avLst/>
           </a:prstGeom>
         </p:spPr>
         <p:txBody>
-          <a:bodyPr spcFirstLastPara="1" wrap="square" lIns="91425" tIns="91425" rIns="91425" bIns="91425" anchor="t" anchorCtr="0">
+          <a:bodyPr spcFirstLastPara="1" wrap="square" lIns="91425" tIns="91425" rIns="91425" bIns="91425" anchor="b" anchorCtr="0">
             <a:normAutofit fontScale="90000"/>
           </a:bodyPr>
           <a:lstStyle/>
           <a:p>
-            <a:pPr marL="0" lvl="0" indent="0" algn="l" rtl="0">
+            <a:pPr marL="457200" lvl="0" indent="0" algn="l" rtl="0">
               <a:spcBef>
                 <a:spcPts val="0"/>
               </a:spcBef>
@@ -12734,30 +12503,6 @@
               </a:spcAft>
               <a:buNone/>
             </a:pPr>
-            <a:r>
-              <a:rPr lang="en-GB">
-                <a:solidFill>
-                  <a:schemeClr val="lt1"/>
-                </a:solidFill>
-                <a:highlight>
-                  <a:schemeClr val="dk1"/>
-                </a:highlight>
-                <a:latin typeface="Raleway"/>
-                <a:ea typeface="Raleway"/>
-                <a:cs typeface="Raleway"/>
-                <a:sym typeface="Raleway"/>
-              </a:rPr>
-              <a:t>04</a:t>
-            </a:r>
-            <a:r>
-              <a:rPr lang="en-GB">
-                <a:latin typeface="Raleway"/>
-                <a:ea typeface="Raleway"/>
-                <a:cs typeface="Raleway"/>
-                <a:sym typeface="Raleway"/>
-              </a:rPr>
-              <a:t> Optimizing the model</a:t>
-            </a:r>
             <a:endParaRPr>
               <a:latin typeface="Raleway"/>
               <a:ea typeface="Raleway"/>
@@ -12765,64 +12510,6 @@
               <a:sym typeface="Raleway"/>
             </a:endParaRPr>
           </a:p>
-        </p:txBody>
-      </p:sp>
-      <p:pic>
-        <p:nvPicPr>
-          <p:cNvPr id="209" name="Google Shape;209;p32"/>
-          <p:cNvPicPr preferRelativeResize="0"/>
-          <p:nvPr/>
-        </p:nvPicPr>
-        <p:blipFill>
-          <a:blip r:embed="rId1"/>
-          <a:stretch>
-            <a:fillRect/>
-          </a:stretch>
-        </p:blipFill>
-        <p:spPr>
-          <a:xfrm>
-            <a:off x="846413" y="1560143"/>
-            <a:ext cx="7451176" cy="2947107"/>
-          </a:xfrm>
-          <a:prstGeom prst="rect">
-            <a:avLst/>
-          </a:prstGeom>
-          <a:noFill/>
-          <a:ln>
-            <a:noFill/>
-          </a:ln>
-        </p:spPr>
-      </p:pic>
-      <p:sp>
-        <p:nvSpPr>
-          <p:cNvPr id="210" name="Google Shape;210;p32"/>
-          <p:cNvSpPr/>
-          <p:nvPr/>
-        </p:nvSpPr>
-        <p:spPr>
-          <a:xfrm>
-            <a:off x="884900" y="2212250"/>
-            <a:ext cx="7346700" cy="359400"/>
-          </a:xfrm>
-          <a:prstGeom prst="rect">
-            <a:avLst/>
-          </a:prstGeom>
-          <a:noFill/>
-          <a:ln w="28575" cap="flat" cmpd="sng">
-            <a:solidFill>
-              <a:schemeClr val="lt2"/>
-            </a:solidFill>
-            <a:prstDash val="solid"/>
-            <a:round/>
-            <a:headEnd type="none" w="sm" len="sm"/>
-            <a:tailEnd type="none" w="sm" len="sm"/>
-          </a:ln>
-        </p:spPr>
-        <p:txBody>
-          <a:bodyPr spcFirstLastPara="1" wrap="square" lIns="91425" tIns="91425" rIns="91425" bIns="91425" anchor="ctr" anchorCtr="0">
-            <a:noAutofit/>
-          </a:bodyPr>
-          <a:lstStyle/>
           <a:p>
             <a:pPr marL="0" lvl="0" indent="0" algn="l" rtl="0">
               <a:spcBef>
@@ -12833,87 +12520,42 @@
               </a:spcAft>
               <a:buNone/>
             </a:pPr>
+            <a:endParaRPr>
+              <a:latin typeface="Raleway"/>
+              <a:ea typeface="Raleway"/>
+              <a:cs typeface="Raleway"/>
+              <a:sym typeface="Raleway"/>
+            </a:endParaRPr>
           </a:p>
-        </p:txBody>
-      </p:sp>
-      <p:sp>
-        <p:nvSpPr>
-          <p:cNvPr id="211" name="Google Shape;211;p32"/>
-          <p:cNvSpPr txBox="1"/>
-          <p:nvPr/>
-        </p:nvSpPr>
-        <p:spPr>
-          <a:xfrm>
-            <a:off x="2590175" y="986300"/>
-            <a:ext cx="3364500" cy="507900"/>
-          </a:xfrm>
-          <a:prstGeom prst="rect">
-            <a:avLst/>
-          </a:prstGeom>
-          <a:noFill/>
-          <a:ln>
-            <a:noFill/>
-          </a:ln>
-        </p:spPr>
-        <p:txBody>
-          <a:bodyPr spcFirstLastPara="1" wrap="square" lIns="91425" tIns="91425" rIns="91425" bIns="91425" anchor="t" anchorCtr="0">
-            <a:spAutoFit/>
-          </a:bodyPr>
-          <a:lstStyle/>
           <a:p>
-            <a:pPr marL="0" lvl="0" indent="0" algn="l" rtl="0">
-              <a:spcBef>
-                <a:spcPts val="0"/>
-              </a:spcBef>
-              <a:spcAft>
-                <a:spcPts val="0"/>
-              </a:spcAft>
-              <a:buNone/>
+            <a:pPr marL="457200" lvl="0" indent="-434340" algn="l" rtl="0">
+              <a:spcBef>
+                <a:spcPts val="0"/>
+              </a:spcBef>
+              <a:spcAft>
+                <a:spcPts val="0"/>
+              </a:spcAft>
+              <a:buClr>
+                <a:schemeClr val="dk1"/>
+              </a:buClr>
+              <a:buSzPct val="100000"/>
+              <a:buFont typeface="Raleway"/>
+              <a:buAutoNum type="arabicPeriod" startAt="5"/>
             </a:pPr>
             <a:r>
-              <a:rPr lang="en-GB" sz="2100">
-                <a:solidFill>
-                  <a:schemeClr val="accent3"/>
-                </a:solidFill>
-                <a:latin typeface="Proxima Nova" panose="02000506030000020004"/>
-                <a:ea typeface="Proxima Nova" panose="02000506030000020004"/>
-                <a:cs typeface="Proxima Nova" panose="02000506030000020004"/>
-                <a:sym typeface="Proxima Nova" panose="02000506030000020004"/>
-              </a:rPr>
-              <a:t>High </a:t>
-            </a:r>
-            <a:r>
-              <a:rPr lang="en-GB" sz="2100">
-                <a:solidFill>
-                  <a:schemeClr val="accent3"/>
-                </a:solidFill>
-                <a:latin typeface="Proxima Nova" panose="02000506030000020004"/>
-                <a:ea typeface="Proxima Nova" panose="02000506030000020004"/>
-                <a:cs typeface="Proxima Nova" panose="02000506030000020004"/>
-                <a:sym typeface="Proxima Nova" panose="02000506030000020004"/>
-              </a:rPr>
-              <a:t>multicollinearity</a:t>
-            </a:r>
-            <a:r>
-              <a:rPr lang="en-GB" sz="2100">
-                <a:solidFill>
-                  <a:schemeClr val="accent3"/>
-                </a:solidFill>
-                <a:latin typeface="Proxima Nova" panose="02000506030000020004"/>
-                <a:ea typeface="Proxima Nova" panose="02000506030000020004"/>
-                <a:cs typeface="Proxima Nova" panose="02000506030000020004"/>
-                <a:sym typeface="Proxima Nova" panose="02000506030000020004"/>
-              </a:rPr>
-              <a:t> </a:t>
-            </a:r>
-            <a:endParaRPr sz="2100">
-              <a:solidFill>
-                <a:schemeClr val="accent3"/>
-              </a:solidFill>
-              <a:latin typeface="Proxima Nova" panose="02000506030000020004"/>
-              <a:ea typeface="Proxima Nova" panose="02000506030000020004"/>
-              <a:cs typeface="Proxima Nova" panose="02000506030000020004"/>
-              <a:sym typeface="Proxima Nova" panose="02000506030000020004"/>
+              <a:rPr lang="en-GB">
+                <a:latin typeface="Raleway"/>
+                <a:ea typeface="Raleway"/>
+                <a:cs typeface="Raleway"/>
+                <a:sym typeface="Raleway"/>
+              </a:rPr>
+              <a:t>Final model</a:t>
+            </a:r>
+            <a:endParaRPr>
+              <a:latin typeface="Raleway"/>
+              <a:ea typeface="Raleway"/>
+              <a:cs typeface="Raleway"/>
+              <a:sym typeface="Raleway"/>
             </a:endParaRPr>
           </a:p>
         </p:txBody>
@@ -13055,19 +12697,28 @@
                 <a:cs typeface="Work Sans Light"/>
                 <a:sym typeface="Work Sans Light"/>
               </a:rPr>
-              <a:t>   </a:t>
+              <a:t>  </a:t>
             </a:r>
             <a:r>
               <a:rPr lang="en-US" altLang="en-GB" sz="1900">
                 <a:solidFill>
-                  <a:schemeClr val="dk2"/>
+                  <a:srgbClr val="000000"/>
                 </a:solidFill>
                 <a:latin typeface="Work Sans Light"/>
                 <a:ea typeface="Work Sans Light"/>
                 <a:cs typeface="Work Sans Light"/>
                 <a:sym typeface="Work Sans Light"/>
               </a:rPr>
-              <a:t>The puzzle</a:t>
+              <a:t> </a:t>
+            </a:r>
+            <a:r>
+              <a:rPr lang="en-GB" sz="1900">
+                <a:latin typeface="Raleway"/>
+                <a:ea typeface="Raleway"/>
+                <a:cs typeface="Raleway"/>
+                <a:sym typeface="Raleway"/>
+              </a:rPr>
+              <a:t>Goals of the project</a:t>
             </a:r>
             <a:endParaRPr sz="1900">
               <a:solidFill>
@@ -13623,353 +13274,6 @@
   <p:cSld>
     <p:spTree>
       <p:nvGrpSpPr>
-        <p:cNvPr id="215" name="Shape 215"/>
-        <p:cNvGrpSpPr/>
-        <p:nvPr/>
-      </p:nvGrpSpPr>
-      <p:grpSpPr>
-        <a:xfrm>
-          <a:off x="0" y="0"/>
-          <a:ext cx="0" cy="0"/>
-          <a:chOff x="0" y="0"/>
-          <a:chExt cx="0" cy="0"/>
-        </a:xfrm>
-      </p:grpSpPr>
-      <p:sp>
-        <p:nvSpPr>
-          <p:cNvPr id="216" name="Google Shape;216;p33"/>
-          <p:cNvSpPr txBox="1"/>
-          <p:nvPr>
-            <p:ph type="title"/>
-          </p:nvPr>
-        </p:nvSpPr>
-        <p:spPr>
-          <a:xfrm>
-            <a:off x="311700" y="216425"/>
-            <a:ext cx="8520600" cy="572700"/>
-          </a:xfrm>
-          <a:prstGeom prst="rect">
-            <a:avLst/>
-          </a:prstGeom>
-        </p:spPr>
-        <p:txBody>
-          <a:bodyPr spcFirstLastPara="1" wrap="square" lIns="91425" tIns="91425" rIns="91425" bIns="91425" anchor="t" anchorCtr="0">
-            <a:normAutofit fontScale="90000"/>
-          </a:bodyPr>
-          <a:lstStyle/>
-          <a:p>
-            <a:pPr marL="0" lvl="0" indent="0" algn="l" rtl="0">
-              <a:spcBef>
-                <a:spcPts val="0"/>
-              </a:spcBef>
-              <a:spcAft>
-                <a:spcPts val="0"/>
-              </a:spcAft>
-              <a:buNone/>
-            </a:pPr>
-            <a:r>
-              <a:rPr lang="en-GB">
-                <a:solidFill>
-                  <a:schemeClr val="lt1"/>
-                </a:solidFill>
-                <a:highlight>
-                  <a:schemeClr val="dk1"/>
-                </a:highlight>
-                <a:latin typeface="Raleway"/>
-                <a:ea typeface="Raleway"/>
-                <a:cs typeface="Raleway"/>
-                <a:sym typeface="Raleway"/>
-              </a:rPr>
-              <a:t>04</a:t>
-            </a:r>
-            <a:r>
-              <a:rPr lang="en-GB">
-                <a:latin typeface="Raleway"/>
-                <a:ea typeface="Raleway"/>
-                <a:cs typeface="Raleway"/>
-                <a:sym typeface="Raleway"/>
-              </a:rPr>
-              <a:t> Optimizing the model</a:t>
-            </a:r>
-            <a:endParaRPr>
-              <a:latin typeface="Raleway"/>
-              <a:ea typeface="Raleway"/>
-              <a:cs typeface="Raleway"/>
-              <a:sym typeface="Raleway"/>
-            </a:endParaRPr>
-          </a:p>
-        </p:txBody>
-      </p:sp>
-      <p:pic>
-        <p:nvPicPr>
-          <p:cNvPr id="217" name="Google Shape;217;p33"/>
-          <p:cNvPicPr preferRelativeResize="0"/>
-          <p:nvPr/>
-        </p:nvPicPr>
-        <p:blipFill rotWithShape="1">
-          <a:blip r:embed="rId1"/>
-          <a:srcRect r="832"/>
-          <a:stretch>
-            <a:fillRect/>
-          </a:stretch>
-        </p:blipFill>
-        <p:spPr>
-          <a:xfrm>
-            <a:off x="1083400" y="840125"/>
-            <a:ext cx="6677951" cy="4049575"/>
-          </a:xfrm>
-          <a:prstGeom prst="rect">
-            <a:avLst/>
-          </a:prstGeom>
-          <a:noFill/>
-          <a:ln>
-            <a:noFill/>
-          </a:ln>
-        </p:spPr>
-      </p:pic>
-    </p:spTree>
-  </p:cSld>
-  <p:clrMapOvr>
-    <a:masterClrMapping/>
-  </p:clrMapOvr>
-</p:sld>
-</file>
-
-<file path=ppt/slides/slide21.xml><?xml version="1.0" encoding="utf-8"?>
-<p:sld xmlns:a="http://schemas.openxmlformats.org/drawingml/2006/main" xmlns:r="http://schemas.openxmlformats.org/officeDocument/2006/relationships" xmlns:p="http://schemas.openxmlformats.org/presentationml/2006/main">
-  <p:cSld>
-    <p:spTree>
-      <p:nvGrpSpPr>
-        <p:cNvPr id="221" name="Shape 221"/>
-        <p:cNvGrpSpPr/>
-        <p:nvPr/>
-      </p:nvGrpSpPr>
-      <p:grpSpPr>
-        <a:xfrm>
-          <a:off x="0" y="0"/>
-          <a:ext cx="0" cy="0"/>
-          <a:chOff x="0" y="0"/>
-          <a:chExt cx="0" cy="0"/>
-        </a:xfrm>
-      </p:grpSpPr>
-      <p:sp>
-        <p:nvSpPr>
-          <p:cNvPr id="222" name="Google Shape;222;p34"/>
-          <p:cNvSpPr txBox="1"/>
-          <p:nvPr>
-            <p:ph type="title"/>
-          </p:nvPr>
-        </p:nvSpPr>
-        <p:spPr>
-          <a:xfrm>
-            <a:off x="311700" y="216425"/>
-            <a:ext cx="8520600" cy="572700"/>
-          </a:xfrm>
-          <a:prstGeom prst="rect">
-            <a:avLst/>
-          </a:prstGeom>
-        </p:spPr>
-        <p:txBody>
-          <a:bodyPr spcFirstLastPara="1" wrap="square" lIns="91425" tIns="91425" rIns="91425" bIns="91425" anchor="t" anchorCtr="0">
-            <a:normAutofit fontScale="90000"/>
-          </a:bodyPr>
-          <a:lstStyle/>
-          <a:p>
-            <a:pPr marL="0" lvl="0" indent="0" algn="l" rtl="0">
-              <a:spcBef>
-                <a:spcPts val="0"/>
-              </a:spcBef>
-              <a:spcAft>
-                <a:spcPts val="0"/>
-              </a:spcAft>
-              <a:buNone/>
-            </a:pPr>
-            <a:r>
-              <a:rPr lang="en-GB">
-                <a:solidFill>
-                  <a:schemeClr val="lt1"/>
-                </a:solidFill>
-                <a:highlight>
-                  <a:schemeClr val="dk1"/>
-                </a:highlight>
-                <a:latin typeface="Raleway"/>
-                <a:ea typeface="Raleway"/>
-                <a:cs typeface="Raleway"/>
-                <a:sym typeface="Raleway"/>
-              </a:rPr>
-              <a:t>04</a:t>
-            </a:r>
-            <a:r>
-              <a:rPr lang="en-GB">
-                <a:latin typeface="Raleway"/>
-                <a:ea typeface="Raleway"/>
-                <a:cs typeface="Raleway"/>
-                <a:sym typeface="Raleway"/>
-              </a:rPr>
-              <a:t> Optimizing the model</a:t>
-            </a:r>
-            <a:endParaRPr>
-              <a:latin typeface="Raleway"/>
-              <a:ea typeface="Raleway"/>
-              <a:cs typeface="Raleway"/>
-              <a:sym typeface="Raleway"/>
-            </a:endParaRPr>
-          </a:p>
-        </p:txBody>
-      </p:sp>
-      <p:pic>
-        <p:nvPicPr>
-          <p:cNvPr id="223" name="Google Shape;223;p34"/>
-          <p:cNvPicPr preferRelativeResize="0"/>
-          <p:nvPr/>
-        </p:nvPicPr>
-        <p:blipFill>
-          <a:blip r:embed="rId1"/>
-          <a:stretch>
-            <a:fillRect/>
-          </a:stretch>
-        </p:blipFill>
-        <p:spPr>
-          <a:xfrm>
-            <a:off x="1204888" y="969200"/>
-            <a:ext cx="6734226" cy="4049575"/>
-          </a:xfrm>
-          <a:prstGeom prst="rect">
-            <a:avLst/>
-          </a:prstGeom>
-          <a:noFill/>
-          <a:ln>
-            <a:noFill/>
-          </a:ln>
-        </p:spPr>
-      </p:pic>
-    </p:spTree>
-  </p:cSld>
-  <p:clrMapOvr>
-    <a:masterClrMapping/>
-  </p:clrMapOvr>
-</p:sld>
-</file>
-
-<file path=ppt/slides/slide22.xml><?xml version="1.0" encoding="utf-8"?>
-<p:sld xmlns:a="http://schemas.openxmlformats.org/drawingml/2006/main" xmlns:r="http://schemas.openxmlformats.org/officeDocument/2006/relationships" xmlns:p="http://schemas.openxmlformats.org/presentationml/2006/main">
-  <p:cSld>
-    <p:spTree>
-      <p:nvGrpSpPr>
-        <p:cNvPr id="227" name="Shape 227"/>
-        <p:cNvGrpSpPr/>
-        <p:nvPr/>
-      </p:nvGrpSpPr>
-      <p:grpSpPr>
-        <a:xfrm>
-          <a:off x="0" y="0"/>
-          <a:ext cx="0" cy="0"/>
-          <a:chOff x="0" y="0"/>
-          <a:chExt cx="0" cy="0"/>
-        </a:xfrm>
-      </p:grpSpPr>
-      <p:sp>
-        <p:nvSpPr>
-          <p:cNvPr id="228" name="Google Shape;228;p35"/>
-          <p:cNvSpPr txBox="1"/>
-          <p:nvPr>
-            <p:ph type="title"/>
-          </p:nvPr>
-        </p:nvSpPr>
-        <p:spPr>
-          <a:xfrm>
-            <a:off x="510450" y="2057400"/>
-            <a:ext cx="8123100" cy="778800"/>
-          </a:xfrm>
-          <a:prstGeom prst="rect">
-            <a:avLst/>
-          </a:prstGeom>
-        </p:spPr>
-        <p:txBody>
-          <a:bodyPr spcFirstLastPara="1" wrap="square" lIns="91425" tIns="91425" rIns="91425" bIns="91425" anchor="b" anchorCtr="0">
-            <a:normAutofit fontScale="90000"/>
-          </a:bodyPr>
-          <a:lstStyle/>
-          <a:p>
-            <a:pPr marL="457200" lvl="0" indent="0" algn="l" rtl="0">
-              <a:spcBef>
-                <a:spcPts val="0"/>
-              </a:spcBef>
-              <a:spcAft>
-                <a:spcPts val="0"/>
-              </a:spcAft>
-              <a:buNone/>
-            </a:pPr>
-            <a:endParaRPr>
-              <a:latin typeface="Raleway"/>
-              <a:ea typeface="Raleway"/>
-              <a:cs typeface="Raleway"/>
-              <a:sym typeface="Raleway"/>
-            </a:endParaRPr>
-          </a:p>
-          <a:p>
-            <a:pPr marL="0" lvl="0" indent="0" algn="l" rtl="0">
-              <a:spcBef>
-                <a:spcPts val="0"/>
-              </a:spcBef>
-              <a:spcAft>
-                <a:spcPts val="0"/>
-              </a:spcAft>
-              <a:buNone/>
-            </a:pPr>
-            <a:endParaRPr>
-              <a:latin typeface="Raleway"/>
-              <a:ea typeface="Raleway"/>
-              <a:cs typeface="Raleway"/>
-              <a:sym typeface="Raleway"/>
-            </a:endParaRPr>
-          </a:p>
-          <a:p>
-            <a:pPr marL="457200" lvl="0" indent="-434340" algn="l" rtl="0">
-              <a:spcBef>
-                <a:spcPts val="0"/>
-              </a:spcBef>
-              <a:spcAft>
-                <a:spcPts val="0"/>
-              </a:spcAft>
-              <a:buClr>
-                <a:schemeClr val="dk1"/>
-              </a:buClr>
-              <a:buSzPct val="100000"/>
-              <a:buFont typeface="Raleway"/>
-              <a:buAutoNum type="arabicPeriod" startAt="5"/>
-            </a:pPr>
-            <a:r>
-              <a:rPr lang="en-GB">
-                <a:latin typeface="Raleway"/>
-                <a:ea typeface="Raleway"/>
-                <a:cs typeface="Raleway"/>
-                <a:sym typeface="Raleway"/>
-              </a:rPr>
-              <a:t>Final model</a:t>
-            </a:r>
-            <a:endParaRPr>
-              <a:latin typeface="Raleway"/>
-              <a:ea typeface="Raleway"/>
-              <a:cs typeface="Raleway"/>
-              <a:sym typeface="Raleway"/>
-            </a:endParaRPr>
-          </a:p>
-        </p:txBody>
-      </p:sp>
-    </p:spTree>
-  </p:cSld>
-  <p:clrMapOvr>
-    <a:masterClrMapping/>
-  </p:clrMapOvr>
-</p:sld>
-</file>
-
-<file path=ppt/slides/slide23.xml><?xml version="1.0" encoding="utf-8"?>
-<p:sld xmlns:a="http://schemas.openxmlformats.org/drawingml/2006/main" xmlns:r="http://schemas.openxmlformats.org/officeDocument/2006/relationships" xmlns:p="http://schemas.openxmlformats.org/presentationml/2006/main">
-  <p:cSld>
-    <p:spTree>
-      <p:nvGrpSpPr>
         <p:cNvPr id="232" name="Shape 232"/>
         <p:cNvGrpSpPr/>
         <p:nvPr/>
@@ -14049,8 +13353,10 @@
       </p:sp>
       <p:pic>
         <p:nvPicPr>
-          <p:cNvPr id="234" name="Google Shape;234;p36"/>
-          <p:cNvPicPr preferRelativeResize="0"/>
+          <p:cNvPr id="1" name="Picture 0"/>
+          <p:cNvPicPr>
+            <a:picLocks noChangeAspect="1"/>
+          </p:cNvPicPr>
           <p:nvPr/>
         </p:nvPicPr>
         <p:blipFill>
@@ -14061,110 +13367,14 @@
         </p:blipFill>
         <p:spPr>
           <a:xfrm>
-            <a:off x="488450" y="974325"/>
-            <a:ext cx="3838370" cy="1597425"/>
+            <a:off x="1032510" y="1083945"/>
+            <a:ext cx="6886575" cy="533400"/>
           </a:xfrm>
           <a:prstGeom prst="rect">
             <a:avLst/>
           </a:prstGeom>
-          <a:noFill/>
-          <a:ln>
-            <a:noFill/>
-          </a:ln>
         </p:spPr>
       </p:pic>
-      <p:pic>
-        <p:nvPicPr>
-          <p:cNvPr id="235" name="Google Shape;235;p36"/>
-          <p:cNvPicPr preferRelativeResize="0"/>
-          <p:nvPr/>
-        </p:nvPicPr>
-        <p:blipFill>
-          <a:blip r:embed="rId2"/>
-          <a:stretch>
-            <a:fillRect/>
-          </a:stretch>
-        </p:blipFill>
-        <p:spPr>
-          <a:xfrm>
-            <a:off x="5032475" y="934125"/>
-            <a:ext cx="3263450" cy="2246725"/>
-          </a:xfrm>
-          <a:prstGeom prst="rect">
-            <a:avLst/>
-          </a:prstGeom>
-          <a:noFill/>
-          <a:ln>
-            <a:noFill/>
-          </a:ln>
-        </p:spPr>
-      </p:pic>
-      <p:sp>
-        <p:nvSpPr>
-          <p:cNvPr id="236" name="Google Shape;236;p36"/>
-          <p:cNvSpPr txBox="1"/>
-          <p:nvPr/>
-        </p:nvSpPr>
-        <p:spPr>
-          <a:xfrm>
-            <a:off x="915053" y="3448750"/>
-            <a:ext cx="3791700" cy="723300"/>
-          </a:xfrm>
-          <a:prstGeom prst="rect">
-            <a:avLst/>
-          </a:prstGeom>
-          <a:noFill/>
-          <a:ln>
-            <a:noFill/>
-          </a:ln>
-        </p:spPr>
-        <p:txBody>
-          <a:bodyPr spcFirstLastPara="1" wrap="square" lIns="91425" tIns="91425" rIns="91425" bIns="91425" anchor="t" anchorCtr="0">
-            <a:spAutoFit/>
-          </a:bodyPr>
-          <a:lstStyle/>
-          <a:p>
-            <a:pPr marL="457200" lvl="0" indent="-304800" algn="l" rtl="0">
-              <a:lnSpc>
-                <a:spcPct val="150000"/>
-              </a:lnSpc>
-              <a:spcBef>
-                <a:spcPts val="0"/>
-              </a:spcBef>
-              <a:spcAft>
-                <a:spcPts val="0"/>
-              </a:spcAft>
-              <a:buSzPts val="1200"/>
-              <a:buChar char="●"/>
-            </a:pPr>
-            <a:r>
-              <a:rPr lang="en-GB"/>
-              <a:t>Mathematically optimised model </a:t>
-            </a:r>
-            <a:endParaRPr lang="en-GB"/>
-          </a:p>
-          <a:p>
-            <a:pPr marL="457200" lvl="0" indent="-317500" algn="l" rtl="0">
-              <a:lnSpc>
-                <a:spcPct val="150000"/>
-              </a:lnSpc>
-              <a:spcBef>
-                <a:spcPts val="0"/>
-              </a:spcBef>
-              <a:spcAft>
-                <a:spcPts val="0"/>
-              </a:spcAft>
-              <a:buSzPts val="1400"/>
-              <a:buChar char="●"/>
-            </a:pPr>
-            <a:r>
-              <a:rPr lang="en-GB"/>
-              <a:t>TPR - FPR is maximized</a:t>
-            </a:r>
-            <a:endParaRPr lang="en-GB"/>
-          </a:p>
-        </p:txBody>
-      </p:sp>
     </p:spTree>
   </p:cSld>
   <p:clrMapOvr>
@@ -14173,7 +13383,7 @@
 </p:sld>
 </file>
 
-<file path=ppt/slides/slide24.xml><?xml version="1.0" encoding="utf-8"?>
+<file path=ppt/slides/slide21.xml><?xml version="1.0" encoding="utf-8"?>
 <p:sld xmlns:a="http://schemas.openxmlformats.org/drawingml/2006/main" xmlns:r="http://schemas.openxmlformats.org/officeDocument/2006/relationships" xmlns:p="http://schemas.openxmlformats.org/presentationml/2006/main">
   <p:cSld>
     <p:spTree>
@@ -14304,7 +13514,7 @@
 </p:sld>
 </file>
 
-<file path=ppt/slides/slide25.xml><?xml version="1.0" encoding="utf-8"?>
+<file path=ppt/slides/slide22.xml><?xml version="1.0" encoding="utf-8"?>
 <p:sld xmlns:a="http://schemas.openxmlformats.org/drawingml/2006/main" xmlns:r="http://schemas.openxmlformats.org/officeDocument/2006/relationships" xmlns:p="http://schemas.openxmlformats.org/presentationml/2006/main">
   <p:cSld>
     <p:spTree>
@@ -14395,7 +13605,7 @@
         <p:spPr>
           <a:xfrm>
             <a:off x="656400" y="2230700"/>
-            <a:ext cx="8175900" cy="1693200"/>
+            <a:ext cx="8175900" cy="1473835"/>
           </a:xfrm>
           <a:prstGeom prst="rect">
             <a:avLst/>
@@ -14493,10 +13703,10 @@
                 <a:cs typeface="Proxima Nova" panose="02000506030000020004"/>
                 <a:sym typeface="Proxima Nova" panose="02000506030000020004"/>
               </a:rPr>
-              <a:t>which</a:t>
-            </a:r>
-            <a:r>
-              <a:rPr lang="en-GB">
+              <a:t>which allowed to correctly identify </a:t>
+            </a:r>
+            <a:r>
+              <a:rPr lang="en-US" altLang="en-GB">
                 <a:solidFill>
                   <a:schemeClr val="accent3"/>
                 </a:solidFill>
@@ -14505,9 +13715,21 @@
                 <a:cs typeface="Proxima Nova" panose="02000506030000020004"/>
                 <a:sym typeface="Proxima Nova" panose="02000506030000020004"/>
               </a:rPr>
-              <a:t> allowed to correctly identify customers that will accept the offer and customers that will reject the offer. The balanced accuracy was also maximized which is another indicator of the quality of the model.</a:t>
-            </a:r>
-            <a:endParaRPr>
+              <a:t>people with diabetes or who could have the disease</a:t>
+            </a:r>
+            <a:r>
+              <a:rPr lang="en-GB">
+                <a:solidFill>
+                  <a:schemeClr val="accent3"/>
+                </a:solidFill>
+                <a:latin typeface="Proxima Nova" panose="02000506030000020004"/>
+                <a:ea typeface="Proxima Nova" panose="02000506030000020004"/>
+                <a:cs typeface="Proxima Nova" panose="02000506030000020004"/>
+                <a:sym typeface="Proxima Nova" panose="02000506030000020004"/>
+              </a:rPr>
+              <a:t>. </a:t>
+            </a:r>
+            <a:endParaRPr lang="en-GB">
               <a:solidFill>
                 <a:schemeClr val="accent3"/>
               </a:solidFill>
@@ -14518,7 +13740,7 @@
             </a:endParaRPr>
           </a:p>
           <a:p>
-            <a:pPr marL="0" lvl="0" indent="0" algn="just" rtl="0">
+            <a:pPr marL="0" lvl="0" indent="457200" algn="just" rtl="0">
               <a:lnSpc>
                 <a:spcPct val="150000"/>
               </a:lnSpc>
@@ -14563,7 +13785,31 @@
                 <a:cs typeface="Proxima Nova" panose="02000506030000020004"/>
                 <a:sym typeface="Proxima Nova" panose="02000506030000020004"/>
               </a:rPr>
-              <a:t>Up next we will implement the final model onto a business case and analyze the results</a:t>
+              <a:t>Up next we will implement the final model onto a </a:t>
+            </a:r>
+            <a:r>
+              <a:rPr lang="en-US" altLang="en-GB">
+                <a:solidFill>
+                  <a:schemeClr val="accent3"/>
+                </a:solidFill>
+                <a:latin typeface="Proxima Nova" panose="02000506030000020004"/>
+                <a:ea typeface="Proxima Nova" panose="02000506030000020004"/>
+                <a:cs typeface="Proxima Nova" panose="02000506030000020004"/>
+                <a:sym typeface="Proxima Nova" panose="02000506030000020004"/>
+              </a:rPr>
+              <a:t>real worl scenario and explain</a:t>
+            </a:r>
+            <a:r>
+              <a:rPr lang="en-GB">
+                <a:solidFill>
+                  <a:schemeClr val="accent3"/>
+                </a:solidFill>
+                <a:latin typeface="Proxima Nova" panose="02000506030000020004"/>
+                <a:ea typeface="Proxima Nova" panose="02000506030000020004"/>
+                <a:cs typeface="Proxima Nova" panose="02000506030000020004"/>
+                <a:sym typeface="Proxima Nova" panose="02000506030000020004"/>
+              </a:rPr>
+              <a:t> the results</a:t>
             </a:r>
             <a:endParaRPr>
               <a:solidFill>
@@ -14585,7 +13831,7 @@
 </p:sld>
 </file>
 
-<file path=ppt/slides/slide26.xml><?xml version="1.0" encoding="utf-8"?>
+<file path=ppt/slides/slide23.xml><?xml version="1.0" encoding="utf-8"?>
 <p:sld xmlns:a="http://schemas.openxmlformats.org/drawingml/2006/main" xmlns:r="http://schemas.openxmlformats.org/officeDocument/2006/relationships" xmlns:p="http://schemas.openxmlformats.org/presentationml/2006/main">
   <p:cSld>
     <p:spTree>
@@ -14674,15 +13920,15 @@
               <a:buAutoNum type="arabicPeriod" startAt="7"/>
             </a:pPr>
             <a:r>
-              <a:rPr lang="en-GB">
+              <a:rPr lang="en-US" altLang="en-GB" b="1">
                 <a:latin typeface="Raleway"/>
                 <a:ea typeface="Raleway"/>
                 <a:cs typeface="Raleway"/>
                 <a:sym typeface="Raleway"/>
               </a:rPr>
-              <a:t>Business Case</a:t>
-            </a:r>
-            <a:endParaRPr>
+              <a:t>Real world scenario</a:t>
+            </a:r>
+            <a:endParaRPr b="1">
               <a:latin typeface="Raleway"/>
               <a:ea typeface="Raleway"/>
               <a:cs typeface="Raleway"/>
@@ -14699,7 +13945,7 @@
 </p:sld>
 </file>
 
-<file path=ppt/slides/slide27.xml><?xml version="1.0" encoding="utf-8"?>
+<file path=ppt/slides/slide24.xml><?xml version="1.0" encoding="utf-8"?>
 <p:sld xmlns:a="http://schemas.openxmlformats.org/drawingml/2006/main" xmlns:r="http://schemas.openxmlformats.org/officeDocument/2006/relationships" xmlns:p="http://schemas.openxmlformats.org/presentationml/2006/main">
   <p:cSld>
     <p:spTree>
@@ -15060,7 +14306,7 @@
 </p:sld>
 </file>
 
-<file path=ppt/slides/slide28.xml><?xml version="1.0" encoding="utf-8"?>
+<file path=ppt/slides/slide25.xml><?xml version="1.0" encoding="utf-8"?>
 <p:sld xmlns:a="http://schemas.openxmlformats.org/drawingml/2006/main" xmlns:r="http://schemas.openxmlformats.org/officeDocument/2006/relationships" xmlns:p="http://schemas.openxmlformats.org/presentationml/2006/main">
   <p:cSld>
     <p:spTree>
@@ -15443,7 +14689,7 @@
 </p:sld>
 </file>
 
-<file path=ppt/slides/slide29.xml><?xml version="1.0" encoding="utf-8"?>
+<file path=ppt/slides/slide26.xml><?xml version="1.0" encoding="utf-8"?>
 <p:sld xmlns:a="http://schemas.openxmlformats.org/drawingml/2006/main" xmlns:r="http://schemas.openxmlformats.org/officeDocument/2006/relationships" xmlns:p="http://schemas.openxmlformats.org/presentationml/2006/main">
   <p:cSld>
     <p:spTree>
@@ -15703,6 +14949,154 @@
           </a:p>
         </p:txBody>
       </p:sp>
+    </p:spTree>
+  </p:cSld>
+  <p:clrMapOvr>
+    <a:masterClrMapping/>
+  </p:clrMapOvr>
+</p:sld>
+</file>
+
+<file path=ppt/slides/slide27.xml><?xml version="1.0" encoding="utf-8"?>
+<p:sld xmlns:a="http://schemas.openxmlformats.org/drawingml/2006/main" xmlns:r="http://schemas.openxmlformats.org/officeDocument/2006/relationships" xmlns:p="http://schemas.openxmlformats.org/presentationml/2006/main">
+  <p:cSld>
+    <p:spTree>
+      <p:nvGrpSpPr>
+        <p:cNvPr id="281" name="Shape 281"/>
+        <p:cNvGrpSpPr/>
+        <p:nvPr/>
+      </p:nvGrpSpPr>
+      <p:grpSpPr>
+        <a:xfrm>
+          <a:off x="0" y="0"/>
+          <a:ext cx="0" cy="0"/>
+          <a:chOff x="0" y="0"/>
+          <a:chExt cx="0" cy="0"/>
+        </a:xfrm>
+      </p:grpSpPr>
+      <p:sp>
+        <p:nvSpPr>
+          <p:cNvPr id="282" name="Google Shape;282;p43"/>
+          <p:cNvSpPr txBox="1"/>
+          <p:nvPr>
+            <p:ph type="title"/>
+          </p:nvPr>
+        </p:nvSpPr>
+        <p:spPr>
+          <a:xfrm>
+            <a:off x="265500" y="1205825"/>
+            <a:ext cx="4045200" cy="1509600"/>
+          </a:xfrm>
+          <a:prstGeom prst="rect">
+            <a:avLst/>
+          </a:prstGeom>
+        </p:spPr>
+        <p:txBody>
+          <a:bodyPr spcFirstLastPara="1" wrap="square" lIns="91425" tIns="91425" rIns="91425" bIns="91425" anchor="b" anchorCtr="0">
+            <a:normAutofit/>
+          </a:bodyPr>
+          <a:lstStyle/>
+          <a:p>
+            <a:pPr marL="0" lvl="0" indent="0" algn="ctr" rtl="0">
+              <a:spcBef>
+                <a:spcPts val="0"/>
+              </a:spcBef>
+              <a:spcAft>
+                <a:spcPts val="0"/>
+              </a:spcAft>
+              <a:buNone/>
+            </a:pPr>
+            <a:r>
+              <a:rPr lang="en-GB"/>
+              <a:t>Thanks!</a:t>
+            </a:r>
+            <a:endParaRPr lang="en-GB"/>
+          </a:p>
+        </p:txBody>
+      </p:sp>
+      <p:sp>
+        <p:nvSpPr>
+          <p:cNvPr id="283" name="Google Shape;283;p43"/>
+          <p:cNvSpPr txBox="1"/>
+          <p:nvPr>
+            <p:ph type="subTitle" idx="1"/>
+          </p:nvPr>
+        </p:nvSpPr>
+        <p:spPr>
+          <a:xfrm>
+            <a:off x="265500" y="2769001"/>
+            <a:ext cx="4045200" cy="1345500"/>
+          </a:xfrm>
+          <a:prstGeom prst="rect">
+            <a:avLst/>
+          </a:prstGeom>
+        </p:spPr>
+        <p:txBody>
+          <a:bodyPr spcFirstLastPara="1" wrap="square" lIns="91425" tIns="91425" rIns="91425" bIns="91425" anchor="t" anchorCtr="0">
+            <a:normAutofit/>
+          </a:bodyPr>
+          <a:lstStyle/>
+          <a:p>
+            <a:pPr marL="0" lvl="0" indent="0" algn="ctr" rtl="0">
+              <a:spcBef>
+                <a:spcPts val="0"/>
+              </a:spcBef>
+              <a:spcAft>
+                <a:spcPts val="0"/>
+              </a:spcAft>
+              <a:buNone/>
+            </a:pPr>
+            <a:r>
+              <a:rPr lang="en-GB">
+                <a:solidFill>
+                  <a:schemeClr val="dk2"/>
+                </a:solidFill>
+              </a:rPr>
+              <a:t>H</a:t>
+            </a:r>
+            <a:r>
+              <a:rPr lang="en-GB">
+                <a:solidFill>
+                  <a:schemeClr val="dk2"/>
+                </a:solidFill>
+              </a:rPr>
+              <a:t>ope you liked it</a:t>
+            </a:r>
+            <a:endParaRPr>
+              <a:solidFill>
+                <a:schemeClr val="dk2"/>
+              </a:solidFill>
+            </a:endParaRPr>
+          </a:p>
+        </p:txBody>
+      </p:sp>
+      <p:pic>
+        <p:nvPicPr>
+          <p:cNvPr id="284" name="Google Shape;284;p43"/>
+          <p:cNvPicPr preferRelativeResize="0"/>
+          <p:nvPr/>
+        </p:nvPicPr>
+        <p:blipFill rotWithShape="1">
+          <a:blip r:embed="rId1"/>
+          <a:srcRect l="22441" t="20097" r="22485" b="21275"/>
+          <a:stretch>
+            <a:fillRect/>
+          </a:stretch>
+        </p:blipFill>
+        <p:spPr>
+          <a:xfrm>
+            <a:off x="5816650" y="1447538"/>
+            <a:ext cx="2112075" cy="2248425"/>
+          </a:xfrm>
+          <a:prstGeom prst="rect">
+            <a:avLst/>
+          </a:prstGeom>
+          <a:noFill/>
+          <a:ln>
+            <a:noFill/>
+          </a:ln>
+        </p:spPr>
+      </p:pic>
     </p:spTree>
   </p:cSld>
   <p:clrMapOvr>
@@ -15791,154 +15185,6 @@
 </p:sld>
 </file>
 
-<file path=ppt/slides/slide30.xml><?xml version="1.0" encoding="utf-8"?>
-<p:sld xmlns:a="http://schemas.openxmlformats.org/drawingml/2006/main" xmlns:r="http://schemas.openxmlformats.org/officeDocument/2006/relationships" xmlns:p="http://schemas.openxmlformats.org/presentationml/2006/main">
-  <p:cSld>
-    <p:spTree>
-      <p:nvGrpSpPr>
-        <p:cNvPr id="281" name="Shape 281"/>
-        <p:cNvGrpSpPr/>
-        <p:nvPr/>
-      </p:nvGrpSpPr>
-      <p:grpSpPr>
-        <a:xfrm>
-          <a:off x="0" y="0"/>
-          <a:ext cx="0" cy="0"/>
-          <a:chOff x="0" y="0"/>
-          <a:chExt cx="0" cy="0"/>
-        </a:xfrm>
-      </p:grpSpPr>
-      <p:sp>
-        <p:nvSpPr>
-          <p:cNvPr id="282" name="Google Shape;282;p43"/>
-          <p:cNvSpPr txBox="1"/>
-          <p:nvPr>
-            <p:ph type="title"/>
-          </p:nvPr>
-        </p:nvSpPr>
-        <p:spPr>
-          <a:xfrm>
-            <a:off x="265500" y="1205825"/>
-            <a:ext cx="4045200" cy="1509600"/>
-          </a:xfrm>
-          <a:prstGeom prst="rect">
-            <a:avLst/>
-          </a:prstGeom>
-        </p:spPr>
-        <p:txBody>
-          <a:bodyPr spcFirstLastPara="1" wrap="square" lIns="91425" tIns="91425" rIns="91425" bIns="91425" anchor="b" anchorCtr="0">
-            <a:normAutofit/>
-          </a:bodyPr>
-          <a:lstStyle/>
-          <a:p>
-            <a:pPr marL="0" lvl="0" indent="0" algn="ctr" rtl="0">
-              <a:spcBef>
-                <a:spcPts val="0"/>
-              </a:spcBef>
-              <a:spcAft>
-                <a:spcPts val="0"/>
-              </a:spcAft>
-              <a:buNone/>
-            </a:pPr>
-            <a:r>
-              <a:rPr lang="en-GB"/>
-              <a:t>Thanks!</a:t>
-            </a:r>
-            <a:endParaRPr lang="en-GB"/>
-          </a:p>
-        </p:txBody>
-      </p:sp>
-      <p:sp>
-        <p:nvSpPr>
-          <p:cNvPr id="283" name="Google Shape;283;p43"/>
-          <p:cNvSpPr txBox="1"/>
-          <p:nvPr>
-            <p:ph type="subTitle" idx="1"/>
-          </p:nvPr>
-        </p:nvSpPr>
-        <p:spPr>
-          <a:xfrm>
-            <a:off x="265500" y="2769001"/>
-            <a:ext cx="4045200" cy="1345500"/>
-          </a:xfrm>
-          <a:prstGeom prst="rect">
-            <a:avLst/>
-          </a:prstGeom>
-        </p:spPr>
-        <p:txBody>
-          <a:bodyPr spcFirstLastPara="1" wrap="square" lIns="91425" tIns="91425" rIns="91425" bIns="91425" anchor="t" anchorCtr="0">
-            <a:normAutofit/>
-          </a:bodyPr>
-          <a:lstStyle/>
-          <a:p>
-            <a:pPr marL="0" lvl="0" indent="0" algn="ctr" rtl="0">
-              <a:spcBef>
-                <a:spcPts val="0"/>
-              </a:spcBef>
-              <a:spcAft>
-                <a:spcPts val="0"/>
-              </a:spcAft>
-              <a:buNone/>
-            </a:pPr>
-            <a:r>
-              <a:rPr lang="en-GB">
-                <a:solidFill>
-                  <a:schemeClr val="dk2"/>
-                </a:solidFill>
-              </a:rPr>
-              <a:t>H</a:t>
-            </a:r>
-            <a:r>
-              <a:rPr lang="en-GB">
-                <a:solidFill>
-                  <a:schemeClr val="dk2"/>
-                </a:solidFill>
-              </a:rPr>
-              <a:t>ope you liked it</a:t>
-            </a:r>
-            <a:endParaRPr>
-              <a:solidFill>
-                <a:schemeClr val="dk2"/>
-              </a:solidFill>
-            </a:endParaRPr>
-          </a:p>
-        </p:txBody>
-      </p:sp>
-      <p:pic>
-        <p:nvPicPr>
-          <p:cNvPr id="284" name="Google Shape;284;p43"/>
-          <p:cNvPicPr preferRelativeResize="0"/>
-          <p:nvPr/>
-        </p:nvPicPr>
-        <p:blipFill rotWithShape="1">
-          <a:blip r:embed="rId1"/>
-          <a:srcRect l="22441" t="20097" r="22485" b="21275"/>
-          <a:stretch>
-            <a:fillRect/>
-          </a:stretch>
-        </p:blipFill>
-        <p:spPr>
-          <a:xfrm>
-            <a:off x="5816650" y="1447538"/>
-            <a:ext cx="2112075" cy="2248425"/>
-          </a:xfrm>
-          <a:prstGeom prst="rect">
-            <a:avLst/>
-          </a:prstGeom>
-          <a:noFill/>
-          <a:ln>
-            <a:noFill/>
-          </a:ln>
-        </p:spPr>
-      </p:pic>
-    </p:spTree>
-  </p:cSld>
-  <p:clrMapOvr>
-    <a:masterClrMapping/>
-  </p:clrMapOvr>
-</p:sld>
-</file>
-
 <file path=ppt/slides/slide4.xml><?xml version="1.0" encoding="utf-8"?>
 <p:sld xmlns:a="http://schemas.openxmlformats.org/drawingml/2006/main" xmlns:r="http://schemas.openxmlformats.org/officeDocument/2006/relationships" xmlns:p="http://schemas.openxmlformats.org/presentationml/2006/main">
   <p:cSld>
@@ -16176,7 +15422,19 @@
                 <a:cs typeface="Work Sans"/>
                 <a:sym typeface="Work Sans"/>
               </a:rPr>
-              <a:t> bank</a:t>
+              <a:t> </a:t>
+            </a:r>
+            <a:r>
+              <a:rPr lang="en-US" altLang="en-GB" sz="1000" b="1">
+                <a:solidFill>
+                  <a:schemeClr val="dk1"/>
+                </a:solidFill>
+                <a:latin typeface="Work Sans"/>
+                <a:ea typeface="Work Sans"/>
+                <a:cs typeface="Work Sans"/>
+                <a:sym typeface="Work Sans"/>
+              </a:rPr>
+              <a:t>Hospital</a:t>
             </a:r>
             <a:r>
               <a:rPr lang="en-GB" sz="1000" b="1">
@@ -16214,7 +15472,7 @@
               <a:buNone/>
             </a:pPr>
             <a:r>
-              <a:rPr lang="en-GB" sz="1000">
+              <a:rPr lang="en-US" altLang="en-GB" sz="1000">
                 <a:solidFill>
                   <a:schemeClr val="dk1"/>
                 </a:solidFill>
@@ -16223,23 +15481,11 @@
                 <a:cs typeface="Work Sans"/>
                 <a:sym typeface="Work Sans"/>
               </a:rPr>
-              <a:t>Bank</a:t>
-            </a:r>
-            <a:r>
-              <a:rPr lang="en-GB" sz="1000">
-                <a:solidFill>
-                  <a:srgbClr val="666666"/>
-                </a:solidFill>
-                <a:latin typeface="Work Sans"/>
-                <a:ea typeface="Work Sans"/>
-                <a:cs typeface="Work Sans"/>
-                <a:sym typeface="Work Sans"/>
-              </a:rPr>
-              <a:t> Business Director</a:t>
-            </a:r>
-            <a:endParaRPr sz="1000">
+              <a:t>Dr(s).</a:t>
+            </a:r>
+            <a:endParaRPr lang="en-US" altLang="en-GB" sz="1000">
               <a:solidFill>
-                <a:srgbClr val="666666"/>
+                <a:schemeClr val="dk1"/>
               </a:solidFill>
               <a:latin typeface="Work Sans"/>
               <a:ea typeface="Work Sans"/>
@@ -16261,7 +15507,7 @@
               <a:buNone/>
             </a:pPr>
             <a:r>
-              <a:rPr lang="en-GB" sz="1000">
+              <a:rPr lang="en-US" altLang="en-GB" sz="1000">
                 <a:solidFill>
                   <a:schemeClr val="dk1"/>
                 </a:solidFill>
@@ -16270,90 +15516,8 @@
                 <a:cs typeface="Work Sans"/>
                 <a:sym typeface="Work Sans"/>
               </a:rPr>
-              <a:t>Bank</a:t>
-            </a:r>
-            <a:r>
-              <a:rPr lang="en-GB" sz="1000">
-                <a:solidFill>
-                  <a:srgbClr val="666666"/>
-                </a:solidFill>
-                <a:latin typeface="Work Sans"/>
-                <a:ea typeface="Work Sans"/>
-                <a:cs typeface="Work Sans"/>
-                <a:sym typeface="Work Sans"/>
-              </a:rPr>
-              <a:t> Marketing Manager</a:t>
-            </a:r>
-            <a:endParaRPr sz="1000">
-              <a:solidFill>
-                <a:srgbClr val="666666"/>
-              </a:solidFill>
-              <a:latin typeface="Work Sans"/>
-              <a:ea typeface="Work Sans"/>
-              <a:cs typeface="Work Sans"/>
-              <a:sym typeface="Work Sans"/>
-            </a:endParaRPr>
-          </a:p>
-          <a:p>
-            <a:pPr marL="0" lvl="0" indent="0" algn="l" rtl="0">
-              <a:lnSpc>
-                <a:spcPct val="150000"/>
-              </a:lnSpc>
-              <a:spcBef>
-                <a:spcPts val="0"/>
-              </a:spcBef>
-              <a:spcAft>
-                <a:spcPts val="0"/>
-              </a:spcAft>
-              <a:buNone/>
-            </a:pPr>
-            <a:r>
-              <a:rPr lang="en-GB" sz="1000">
-                <a:solidFill>
-                  <a:schemeClr val="dk1"/>
-                </a:solidFill>
-                <a:latin typeface="Work Sans"/>
-                <a:ea typeface="Work Sans"/>
-                <a:cs typeface="Work Sans"/>
-                <a:sym typeface="Work Sans"/>
-              </a:rPr>
-              <a:t>Bank</a:t>
-            </a:r>
-            <a:r>
-              <a:rPr lang="en-GB" sz="1000">
-                <a:solidFill>
-                  <a:srgbClr val="666666"/>
-                </a:solidFill>
-                <a:latin typeface="Work Sans"/>
-                <a:ea typeface="Work Sans"/>
-                <a:cs typeface="Work Sans"/>
-                <a:sym typeface="Work Sans"/>
-              </a:rPr>
-              <a:t> BI Manager (Decision maker)</a:t>
-            </a:r>
-            <a:endParaRPr sz="1000">
-              <a:solidFill>
-                <a:srgbClr val="666666"/>
-              </a:solidFill>
-              <a:latin typeface="Work Sans"/>
-              <a:ea typeface="Work Sans"/>
-              <a:cs typeface="Work Sans"/>
-              <a:sym typeface="Work Sans"/>
-            </a:endParaRPr>
-          </a:p>
-          <a:p>
-            <a:pPr marL="0" lvl="0" indent="0" algn="l" rtl="0">
-              <a:lnSpc>
-                <a:spcPct val="150000"/>
-              </a:lnSpc>
-              <a:spcBef>
-                <a:spcPts val="0"/>
-              </a:spcBef>
-              <a:spcAft>
-                <a:spcPts val="0"/>
-              </a:spcAft>
-              <a:buNone/>
-            </a:pPr>
+              <a:t>Public Health Officials</a:t>
+            </a:r>
             <a:endParaRPr sz="1000">
               <a:solidFill>
                 <a:srgbClr val="666666"/>
@@ -16714,19 +15878,19 @@
                 <a:cs typeface="Work Sans"/>
                 <a:sym typeface="Work Sans"/>
               </a:rPr>
-              <a:t> that can predict users who will </a:t>
-            </a:r>
-            <a:r>
-              <a:rPr lang="en-GB" sz="1000">
-                <a:solidFill>
-                  <a:schemeClr val="dk1"/>
+              <a:t> that can </a:t>
+            </a:r>
+            <a:r>
+              <a:rPr lang="en-US" altLang="en-GB" sz="1000">
+                <a:solidFill>
+                  <a:srgbClr val="666666"/>
                 </a:solidFill>
                 <a:latin typeface="Work Sans"/>
                 <a:ea typeface="Work Sans"/>
                 <a:cs typeface="Work Sans"/>
                 <a:sym typeface="Work Sans"/>
               </a:rPr>
-              <a:t>accept the Credit Card offer</a:t>
+              <a:t>diagnose patients </a:t>
             </a:r>
             <a:r>
               <a:rPr lang="en-GB" sz="1000">
@@ -16738,10 +15902,10 @@
                 <a:cs typeface="Work Sans"/>
                 <a:sym typeface="Work Sans"/>
               </a:rPr>
-              <a:t>, in order to </a:t>
-            </a:r>
-            <a:r>
-              <a:rPr lang="en-GB" sz="1000">
+              <a:t>who </a:t>
+            </a:r>
+            <a:r>
+              <a:rPr lang="en-US" altLang="en-GB" sz="1000">
                 <a:solidFill>
                   <a:schemeClr val="dk1"/>
                 </a:solidFill>
@@ -16750,7 +15914,7 @@
                 <a:cs typeface="Work Sans"/>
                 <a:sym typeface="Work Sans"/>
               </a:rPr>
-              <a:t>achieve more efficient mailing campaigns</a:t>
+              <a:t>have diabetes or are likely to have it and need more tests</a:t>
             </a:r>
             <a:r>
               <a:rPr lang="en-GB" sz="1000">
@@ -16814,7 +15978,7 @@
               <a:buNone/>
             </a:pPr>
             <a:r>
-              <a:rPr lang="en-GB" sz="1100">
+              <a:rPr lang="en-US" altLang="en-GB" sz="1100">
                 <a:solidFill>
                   <a:srgbClr val="666666"/>
                 </a:solidFill>
@@ -16823,8 +15987,31 @@
                 <a:cs typeface="Work Sans"/>
                 <a:sym typeface="Work Sans"/>
               </a:rPr>
-              <a:t>The data used from 28 thousand lines is only a sample of all the bank's customers, which are </a:t>
-            </a:r>
+              <a:t>About the dataset:</a:t>
+            </a:r>
+            <a:endParaRPr lang="en-US" altLang="en-GB" sz="1100">
+              <a:solidFill>
+                <a:srgbClr val="666666"/>
+              </a:solidFill>
+              <a:latin typeface="Work Sans"/>
+              <a:ea typeface="Work Sans"/>
+              <a:cs typeface="Work Sans"/>
+              <a:sym typeface="Work Sans"/>
+            </a:endParaRPr>
+          </a:p>
+          <a:p>
+            <a:pPr marL="0" lvl="0" indent="0" algn="l" rtl="0">
+              <a:lnSpc>
+                <a:spcPct val="150000"/>
+              </a:lnSpc>
+              <a:spcBef>
+                <a:spcPts val="0"/>
+              </a:spcBef>
+              <a:spcAft>
+                <a:spcPts val="0"/>
+              </a:spcAft>
+              <a:buNone/>
+            </a:pPr>
             <a:r>
               <a:rPr lang="en-GB" sz="1100" b="1">
                 <a:solidFill>
@@ -16834,24 +16021,13 @@
                 <a:ea typeface="Work Sans"/>
                 <a:cs typeface="Work Sans"/>
                 <a:sym typeface="Work Sans"/>
-              </a:rPr>
-              <a:t>1 million in total</a:t>
-            </a:r>
-            <a:r>
-              <a:rPr lang="en-GB" sz="1100">
-                <a:solidFill>
-                  <a:srgbClr val="666666"/>
-                </a:solidFill>
-                <a:latin typeface="Work Sans"/>
-                <a:ea typeface="Work Sans"/>
-                <a:cs typeface="Work Sans"/>
-                <a:sym typeface="Work Sans"/>
-              </a:rPr>
-              <a:t>.</a:t>
-            </a:r>
-            <a:endParaRPr sz="1100">
+                <a:hlinkClick r:id="rId1" tooltip="" action="ppaction://hlinkfile"/>
+              </a:rPr>
+              <a:t>Link</a:t>
+            </a:r>
+            <a:endParaRPr lang="en-GB" sz="1100" b="1">
               <a:solidFill>
-                <a:srgbClr val="666666"/>
+                <a:schemeClr val="dk1"/>
               </a:solidFill>
               <a:latin typeface="Work Sans"/>
               <a:ea typeface="Work Sans"/>
@@ -16905,19 +16081,43 @@
                 <a:cs typeface="Work Sans"/>
                 <a:sym typeface="Work Sans"/>
               </a:rPr>
-              <a:t>We estimate that the cost to the bank of sending an offer by mail is </a:t>
-            </a:r>
-            <a:r>
-              <a:rPr lang="en-GB" sz="1100" b="1">
-                <a:solidFill>
-                  <a:schemeClr val="dk1"/>
+              <a:t>We estimate that </a:t>
+            </a:r>
+            <a:r>
+              <a:rPr lang="en-US" altLang="en-GB" sz="1100">
+                <a:solidFill>
+                  <a:srgbClr val="666666"/>
                 </a:solidFill>
                 <a:latin typeface="Work Sans"/>
                 <a:ea typeface="Work Sans"/>
                 <a:cs typeface="Work Sans"/>
                 <a:sym typeface="Work Sans"/>
               </a:rPr>
-              <a:t>5</a:t>
+              <a:t>Diabetes tests costs for the Health Institutions is about</a:t>
+            </a:r>
+            <a:r>
+              <a:rPr lang="en-GB" sz="1100">
+                <a:solidFill>
+                  <a:srgbClr val="666666"/>
+                </a:solidFill>
+                <a:latin typeface="Work Sans"/>
+                <a:ea typeface="Work Sans"/>
+                <a:cs typeface="Work Sans"/>
+                <a:sym typeface="Work Sans"/>
+              </a:rPr>
+              <a:t> </a:t>
+            </a:r>
+            <a:r>
+              <a:rPr lang="en-US" altLang="en-GB" sz="1100" b="1">
+                <a:solidFill>
+                  <a:schemeClr val="dk1"/>
+                </a:solidFill>
+                <a:latin typeface="Work Sans"/>
+                <a:ea typeface="Work Sans"/>
+                <a:cs typeface="Work Sans"/>
+                <a:sym typeface="Work Sans"/>
+              </a:rPr>
+              <a:t>25</a:t>
             </a:r>
             <a:r>
               <a:rPr lang="en-GB" sz="1100">
@@ -16987,19 +16187,55 @@
                 <a:cs typeface="Work Sans"/>
                 <a:sym typeface="Work Sans"/>
               </a:rPr>
-              <a:t>In addition, we estimate that if a customer accepts the offer the bank makes a profit of </a:t>
-            </a:r>
-            <a:r>
-              <a:rPr lang="en-GB" sz="1100" b="1">
-                <a:solidFill>
-                  <a:schemeClr val="dk1"/>
+              <a:t>In addition, we estimate that if a </a:t>
+            </a:r>
+            <a:r>
+              <a:rPr lang="en-US" altLang="en-GB" sz="1100">
+                <a:solidFill>
+                  <a:srgbClr val="666666"/>
                 </a:solidFill>
                 <a:latin typeface="Work Sans"/>
                 <a:ea typeface="Work Sans"/>
                 <a:cs typeface="Work Sans"/>
                 <a:sym typeface="Work Sans"/>
               </a:rPr>
-              <a:t>100</a:t>
+              <a:t>patient is misdiagnosed as not diabetic when in fact is, it can cost the health system up to</a:t>
+            </a:r>
+            <a:r>
+              <a:rPr lang="en-GB" sz="1100">
+                <a:solidFill>
+                  <a:srgbClr val="666666"/>
+                </a:solidFill>
+                <a:latin typeface="Work Sans"/>
+                <a:ea typeface="Work Sans"/>
+                <a:cs typeface="Work Sans"/>
+                <a:sym typeface="Work Sans"/>
+              </a:rPr>
+              <a:t> </a:t>
+            </a:r>
+            <a:r>
+              <a:rPr lang="en-US" altLang="en-GB" sz="1100" b="1">
+                <a:solidFill>
+                  <a:schemeClr val="dk1"/>
+                </a:solidFill>
+                <a:latin typeface="Work Sans"/>
+                <a:ea typeface="Work Sans"/>
+                <a:cs typeface="Work Sans"/>
+                <a:sym typeface="Work Sans"/>
+              </a:rPr>
+              <a:t>500</a:t>
+            </a:r>
+            <a:r>
+              <a:rPr lang="en-GB" sz="1100" b="1">
+                <a:solidFill>
+                  <a:schemeClr val="dk1"/>
+                </a:solidFill>
+                <a:latin typeface="Work Sans"/>
+                <a:ea typeface="Work Sans"/>
+                <a:cs typeface="Work Sans"/>
+                <a:sym typeface="Work Sans"/>
+              </a:rPr>
+              <a:t>0</a:t>
             </a:r>
             <a:r>
               <a:rPr lang="en-GB" sz="1100">
@@ -17055,7 +16291,7 @@
           <p:nvPr/>
         </p:nvPicPr>
         <p:blipFill rotWithShape="1">
-          <a:blip r:embed="rId1"/>
+          <a:blip r:embed="rId2"/>
           <a:srcRect l="72491" t="45103" r="15049" b="39356"/>
           <a:stretch>
             <a:fillRect/>
@@ -17184,7 +16420,7 @@
               <a:buNone/>
             </a:pPr>
             <a:r>
-              <a:rPr lang="en-GB" sz="1000" i="1">
+              <a:rPr lang="en-US" altLang="en-GB" sz="1000" i="1">
                 <a:solidFill>
                   <a:schemeClr val="dk2"/>
                 </a:solidFill>
@@ -17193,7 +16429,7 @@
                 <a:cs typeface="Work Sans"/>
                 <a:sym typeface="Work Sans"/>
               </a:rPr>
-              <a:t>Ironhackers </a:t>
+              <a:t>Data Scientist </a:t>
             </a:r>
             <a:r>
               <a:rPr lang="en-GB" sz="1000">
@@ -17205,11 +16441,23 @@
                 <a:cs typeface="Work Sans"/>
                 <a:sym typeface="Work Sans"/>
               </a:rPr>
-              <a:t>x3</a:t>
-            </a:r>
-            <a:endParaRPr sz="1000" i="1">
+              <a:t>x</a:t>
+            </a:r>
+            <a:r>
+              <a:rPr lang="en-US" altLang="en-GB" sz="1000">
+                <a:solidFill>
+                  <a:schemeClr val="dk1"/>
+                </a:solidFill>
+                <a:latin typeface="Work Sans"/>
+                <a:ea typeface="Work Sans"/>
+                <a:cs typeface="Work Sans"/>
+                <a:sym typeface="Work Sans"/>
+              </a:rPr>
+              <a:t> 1</a:t>
+            </a:r>
+            <a:endParaRPr lang="en-US" altLang="en-GB" sz="1000" i="1">
               <a:solidFill>
-                <a:srgbClr val="666666"/>
+                <a:schemeClr val="dk1"/>
               </a:solidFill>
               <a:latin typeface="Work Sans"/>
               <a:ea typeface="Work Sans"/>
@@ -17312,7 +16560,7 @@
   <p:cSld>
     <p:spTree>
       <p:nvGrpSpPr>
-        <p:cNvPr id="108" name="Shape 108"/>
+        <p:cNvPr id="122" name="Shape 122"/>
         <p:cNvGrpSpPr/>
         <p:nvPr/>
       </p:nvGrpSpPr>
@@ -17326,7 +16574,7 @@
       </p:grpSpPr>
       <p:sp>
         <p:nvSpPr>
-          <p:cNvPr id="109" name="Google Shape;109;p19"/>
+          <p:cNvPr id="123" name="Google Shape;123;p21"/>
           <p:cNvSpPr txBox="1"/>
           <p:nvPr>
             <p:ph type="title"/>
@@ -17391,7 +16639,7 @@
       </p:sp>
       <p:sp>
         <p:nvSpPr>
-          <p:cNvPr id="110" name="Google Shape;110;p19"/>
+          <p:cNvPr id="124" name="Google Shape;124;p21"/>
           <p:cNvSpPr txBox="1"/>
           <p:nvPr>
             <p:ph type="body" idx="1"/>
@@ -17399,12 +16647,68 @@
         </p:nvSpPr>
         <p:spPr>
           <a:xfrm>
-            <a:off x="311700" y="771475"/>
-            <a:ext cx="8520600" cy="470400"/>
+            <a:off x="553075" y="4416250"/>
+            <a:ext cx="8083800" cy="623100"/>
           </a:xfrm>
           <a:prstGeom prst="rect">
             <a:avLst/>
           </a:prstGeom>
+        </p:spPr>
+        <p:txBody>
+          <a:bodyPr spcFirstLastPara="1" wrap="square" lIns="91425" tIns="91425" rIns="91425" bIns="91425" anchor="t" anchorCtr="0">
+            <a:normAutofit lnSpcReduction="10000"/>
+          </a:bodyPr>
+          <a:lstStyle/>
+          <a:p>
+            <a:pPr marL="0" lvl="0" indent="0" algn="l" rtl="0">
+              <a:lnSpc>
+                <a:spcPct val="150000"/>
+              </a:lnSpc>
+              <a:spcBef>
+                <a:spcPts val="0"/>
+              </a:spcBef>
+              <a:spcAft>
+                <a:spcPts val="1200"/>
+              </a:spcAft>
+              <a:buNone/>
+            </a:pPr>
+            <a:r>
+              <a:rPr lang="en-GB" sz="1200">
+                <a:latin typeface="Work Sans"/>
+                <a:ea typeface="Work Sans"/>
+                <a:cs typeface="Work Sans"/>
+                <a:sym typeface="Work Sans"/>
+              </a:rPr>
+              <a:t>This imbalance caught the team's attention. The team hypothesized that there would be problems with the accuracy of the models.</a:t>
+            </a:r>
+            <a:endParaRPr sz="1200">
+              <a:latin typeface="Work Sans"/>
+              <a:ea typeface="Work Sans"/>
+              <a:cs typeface="Work Sans"/>
+              <a:sym typeface="Work Sans"/>
+            </a:endParaRPr>
+          </a:p>
+        </p:txBody>
+      </p:sp>
+      <p:sp>
+        <p:nvSpPr>
+          <p:cNvPr id="126" name="Google Shape;126;p21"/>
+          <p:cNvSpPr txBox="1"/>
+          <p:nvPr>
+            <p:ph type="body" idx="1"/>
+          </p:nvPr>
+        </p:nvSpPr>
+        <p:spPr>
+          <a:xfrm>
+            <a:off x="3037525" y="834388"/>
+            <a:ext cx="3382200" cy="411300"/>
+          </a:xfrm>
+          <a:prstGeom prst="rect">
+            <a:avLst/>
+          </a:prstGeom>
+          <a:solidFill>
+            <a:schemeClr val="lt2"/>
+          </a:solidFill>
         </p:spPr>
         <p:txBody>
           <a:bodyPr spcFirstLastPara="1" wrap="square" lIns="91425" tIns="91425" rIns="91425" bIns="91425" anchor="t" anchorCtr="0">
@@ -17412,7 +16716,7 @@
           </a:bodyPr>
           <a:lstStyle/>
           <a:p>
-            <a:pPr marL="0" lvl="0" indent="0" algn="l" rtl="0">
+            <a:pPr marL="0" lvl="0" indent="0" algn="ctr" rtl="0">
               <a:spcBef>
                 <a:spcPts val="0"/>
               </a:spcBef>
@@ -17423,28 +16727,31 @@
             </a:pPr>
             <a:r>
               <a:rPr lang="en-GB" sz="1200">
+                <a:solidFill>
+                  <a:schemeClr val="lt1"/>
+                </a:solidFill>
                 <a:latin typeface="Work Sans"/>
                 <a:ea typeface="Work Sans"/>
                 <a:cs typeface="Work Sans"/>
                 <a:sym typeface="Work Sans"/>
               </a:rPr>
-              <a:t>The first step it’s to understand the </a:t>
-            </a:r>
-            <a:r>
-              <a:rPr lang="en-GB" sz="1200">
-                <a:solidFill>
-                  <a:schemeClr val="dk1"/>
+              <a:t>Countplot of </a:t>
+            </a:r>
+            <a:r>
+              <a:rPr lang="en-US" altLang="en-GB" sz="1200">
+                <a:solidFill>
+                  <a:schemeClr val="lt1"/>
                 </a:solidFill>
                 <a:latin typeface="Work Sans"/>
                 <a:ea typeface="Work Sans"/>
                 <a:cs typeface="Work Sans"/>
                 <a:sym typeface="Work Sans"/>
               </a:rPr>
-              <a:t>data</a:t>
-            </a:r>
-            <a:endParaRPr sz="1200">
+              <a:t>Diabetes Diagnosis</a:t>
+            </a:r>
+            <a:endParaRPr lang="en-US" altLang="en-GB" sz="1200">
               <a:solidFill>
-                <a:schemeClr val="dk1"/>
+                <a:schemeClr val="lt1"/>
               </a:solidFill>
               <a:latin typeface="Work Sans"/>
               <a:ea typeface="Work Sans"/>
@@ -17456,29 +16763,27 @@
       </p:sp>
       <p:pic>
         <p:nvPicPr>
-          <p:cNvPr id="111" name="Google Shape;111;p19"/>
-          <p:cNvPicPr preferRelativeResize="0"/>
+          <p:cNvPr id="1" name="Picture 0"/>
+          <p:cNvPicPr>
+            <a:picLocks noChangeAspect="1"/>
+          </p:cNvPicPr>
           <p:nvPr/>
         </p:nvPicPr>
-        <p:blipFill rotWithShape="1">
+        <p:blipFill>
           <a:blip r:embed="rId1"/>
-          <a:srcRect r="842"/>
+          <a:srcRect r="79526" b="79622"/>
           <a:stretch>
             <a:fillRect/>
           </a:stretch>
         </p:blipFill>
         <p:spPr>
           <a:xfrm>
-            <a:off x="1302712" y="1299400"/>
-            <a:ext cx="6538573" cy="3596825"/>
+            <a:off x="2458720" y="1290955"/>
+            <a:ext cx="4364355" cy="3176270"/>
           </a:xfrm>
           <a:prstGeom prst="rect">
             <a:avLst/>
           </a:prstGeom>
-          <a:noFill/>
-          <a:ln>
-            <a:noFill/>
-          </a:ln>
         </p:spPr>
       </p:pic>
     </p:spTree>
@@ -17494,87 +16799,17 @@
   <p:cSld>
     <p:spTree>
       <p:nvGrpSpPr>
-        <p:cNvPr id="115" name="Shape 115"/>
+        <p:cNvPr id="1" name=""/>
         <p:cNvGrpSpPr/>
         <p:nvPr/>
       </p:nvGrpSpPr>
-      <p:grpSpPr>
-        <a:xfrm>
-          <a:off x="0" y="0"/>
-          <a:ext cx="0" cy="0"/>
-          <a:chOff x="0" y="0"/>
-          <a:chExt cx="0" cy="0"/>
-        </a:xfrm>
-      </p:grpSpPr>
-      <p:sp>
-        <p:nvSpPr>
-          <p:cNvPr id="116" name="Google Shape;116;p20"/>
-          <p:cNvSpPr txBox="1"/>
-          <p:nvPr>
-            <p:ph type="title"/>
-          </p:nvPr>
-        </p:nvSpPr>
-        <p:spPr>
-          <a:xfrm>
-            <a:off x="311700" y="216425"/>
-            <a:ext cx="8520600" cy="572700"/>
-          </a:xfrm>
-          <a:prstGeom prst="rect">
-            <a:avLst/>
-          </a:prstGeom>
-        </p:spPr>
-        <p:txBody>
-          <a:bodyPr spcFirstLastPara="1" wrap="square" lIns="91425" tIns="91425" rIns="91425" bIns="91425" anchor="t" anchorCtr="0">
-            <a:normAutofit fontScale="90000"/>
-          </a:bodyPr>
-          <a:lstStyle/>
-          <a:p>
-            <a:pPr marL="0" lvl="0" indent="0" algn="l" rtl="0">
-              <a:spcBef>
-                <a:spcPts val="0"/>
-              </a:spcBef>
-              <a:spcAft>
-                <a:spcPts val="0"/>
-              </a:spcAft>
-              <a:buNone/>
-            </a:pPr>
-            <a:r>
-              <a:rPr lang="en-GB">
-                <a:solidFill>
-                  <a:schemeClr val="lt1"/>
-                </a:solidFill>
-                <a:highlight>
-                  <a:schemeClr val="dk1"/>
-                </a:highlight>
-                <a:latin typeface="Raleway"/>
-                <a:ea typeface="Raleway"/>
-                <a:cs typeface="Raleway"/>
-                <a:sym typeface="Raleway"/>
-              </a:rPr>
-              <a:t>02</a:t>
-            </a:r>
-            <a:r>
-              <a:rPr lang="en-GB">
-                <a:latin typeface="Raleway"/>
-                <a:ea typeface="Raleway"/>
-                <a:cs typeface="Raleway"/>
-                <a:sym typeface="Raleway"/>
-              </a:rPr>
-              <a:t> Exploratory Data Analysis</a:t>
-            </a:r>
-            <a:endParaRPr>
-              <a:latin typeface="Raleway"/>
-              <a:ea typeface="Raleway"/>
-              <a:cs typeface="Raleway"/>
-              <a:sym typeface="Raleway"/>
-            </a:endParaRPr>
-          </a:p>
-        </p:txBody>
-      </p:sp>
+      <p:grpSpPr/>
       <p:pic>
         <p:nvPicPr>
-          <p:cNvPr id="117" name="Google Shape;117;p20"/>
-          <p:cNvPicPr preferRelativeResize="0"/>
+          <p:cNvPr id="4" name="Picture 3"/>
+          <p:cNvPicPr>
+            <a:picLocks noChangeAspect="1"/>
+          </p:cNvPicPr>
           <p:nvPr/>
         </p:nvPicPr>
         <p:blipFill>
@@ -17585,89 +16820,14 @@
         </p:blipFill>
         <p:spPr>
           <a:xfrm>
-            <a:off x="1176150" y="1165850"/>
-            <a:ext cx="6791701" cy="3741351"/>
+            <a:off x="1077595" y="33020"/>
+            <a:ext cx="6988810" cy="5110480"/>
           </a:xfrm>
           <a:prstGeom prst="rect">
             <a:avLst/>
           </a:prstGeom>
-          <a:noFill/>
-          <a:ln>
-            <a:noFill/>
-          </a:ln>
         </p:spPr>
       </p:pic>
-      <p:sp>
-        <p:nvSpPr>
-          <p:cNvPr id="118" name="Google Shape;118;p20"/>
-          <p:cNvSpPr txBox="1"/>
-          <p:nvPr>
-            <p:ph type="body" idx="1"/>
-          </p:nvPr>
-        </p:nvSpPr>
-        <p:spPr>
-          <a:xfrm>
-            <a:off x="311700" y="771475"/>
-            <a:ext cx="8520600" cy="470400"/>
-          </a:xfrm>
-          <a:prstGeom prst="rect">
-            <a:avLst/>
-          </a:prstGeom>
-        </p:spPr>
-        <p:txBody>
-          <a:bodyPr spcFirstLastPara="1" wrap="square" lIns="91425" tIns="91425" rIns="91425" bIns="91425" anchor="t" anchorCtr="0">
-            <a:normAutofit/>
-          </a:bodyPr>
-          <a:lstStyle/>
-          <a:p>
-            <a:pPr marL="0" lvl="0" indent="0" algn="l" rtl="0">
-              <a:spcBef>
-                <a:spcPts val="0"/>
-              </a:spcBef>
-              <a:spcAft>
-                <a:spcPts val="1200"/>
-              </a:spcAft>
-              <a:buNone/>
-            </a:pPr>
-            <a:r>
-              <a:rPr lang="en-GB" sz="1200">
-                <a:latin typeface="Work Sans"/>
-                <a:ea typeface="Work Sans"/>
-                <a:cs typeface="Work Sans"/>
-                <a:sym typeface="Work Sans"/>
-              </a:rPr>
-              <a:t>But the most important thing it’s to understand which are the </a:t>
-            </a:r>
-            <a:r>
-              <a:rPr lang="en-GB" sz="1200">
-                <a:solidFill>
-                  <a:schemeClr val="dk1"/>
-                </a:solidFill>
-                <a:latin typeface="Work Sans"/>
-                <a:ea typeface="Work Sans"/>
-                <a:cs typeface="Work Sans"/>
-                <a:sym typeface="Work Sans"/>
-              </a:rPr>
-              <a:t>clients who will accept our offer</a:t>
-            </a:r>
-            <a:r>
-              <a:rPr lang="en-GB" sz="1200">
-                <a:latin typeface="Work Sans"/>
-                <a:ea typeface="Work Sans"/>
-                <a:cs typeface="Work Sans"/>
-                <a:sym typeface="Work Sans"/>
-              </a:rPr>
-              <a:t>.</a:t>
-            </a:r>
-            <a:endParaRPr sz="1200">
-              <a:latin typeface="Work Sans"/>
-              <a:ea typeface="Work Sans"/>
-              <a:cs typeface="Work Sans"/>
-              <a:sym typeface="Work Sans"/>
-            </a:endParaRPr>
-          </a:p>
-        </p:txBody>
-      </p:sp>
     </p:spTree>
   </p:cSld>
   <p:clrMapOvr>
@@ -17703,7 +16863,7 @@
         </p:nvSpPr>
         <p:spPr>
           <a:xfrm>
-            <a:off x="311700" y="216425"/>
+            <a:off x="311700" y="197375"/>
             <a:ext cx="8520600" cy="572700"/>
           </a:xfrm>
           <a:prstGeom prst="rect">
@@ -17760,61 +16920,306 @@
       </p:sp>
       <p:sp>
         <p:nvSpPr>
-          <p:cNvPr id="124" name="Google Shape;124;p21"/>
+          <p:cNvPr id="4" name="Google Shape;123;p21"/>
           <p:cNvSpPr txBox="1"/>
-          <p:nvPr>
-            <p:ph type="body" idx="1"/>
-          </p:nvPr>
+          <p:nvPr/>
         </p:nvSpPr>
         <p:spPr>
           <a:xfrm>
-            <a:off x="553075" y="4416250"/>
-            <a:ext cx="8083800" cy="623100"/>
+            <a:off x="4388485" y="4256405"/>
+            <a:ext cx="4443730" cy="572770"/>
           </a:xfrm>
           <a:prstGeom prst="rect">
             <a:avLst/>
           </a:prstGeom>
+          <a:noFill/>
+          <a:ln>
+            <a:noFill/>
+          </a:ln>
         </p:spPr>
         <p:txBody>
-          <a:bodyPr spcFirstLastPara="1" wrap="square" lIns="91425" tIns="91425" rIns="91425" bIns="91425" anchor="t" anchorCtr="0">
-            <a:normAutofit lnSpcReduction="10000"/>
+          <a:bodyPr wrap="square" lIns="91425" tIns="91425" rIns="91425" bIns="91425" anchor="t" anchorCtr="0">
+            <a:normAutofit fontScale="90000"/>
           </a:bodyPr>
-          <a:lstStyle/>
+          <a:lstStyle>
+            <a:defPPr marR="0" lvl="0" algn="l" rtl="0">
+              <a:lnSpc>
+                <a:spcPct val="100000"/>
+              </a:lnSpc>
+              <a:spcBef>
+                <a:spcPts val="0"/>
+              </a:spcBef>
+              <a:spcAft>
+                <a:spcPts val="0"/>
+              </a:spcAft>
+            </a:defPPr>
+            <a:lvl1pPr marR="0" lvl="0" algn="l" rtl="0">
+              <a:lnSpc>
+                <a:spcPct val="100000"/>
+              </a:lnSpc>
+              <a:spcBef>
+                <a:spcPts val="0"/>
+              </a:spcBef>
+              <a:spcAft>
+                <a:spcPts val="0"/>
+              </a:spcAft>
+              <a:buClr>
+                <a:schemeClr val="dk1"/>
+              </a:buClr>
+              <a:buSzPts val="2800"/>
+              <a:buFont typeface="Proxima Nova" panose="02000506030000020004"/>
+              <a:buNone/>
+              <a:defRPr sz="2800" b="0" i="0" u="none" strike="noStrike" cap="none">
+                <a:solidFill>
+                  <a:schemeClr val="dk1"/>
+                </a:solidFill>
+                <a:latin typeface="Proxima Nova" panose="02000506030000020004"/>
+                <a:ea typeface="Proxima Nova" panose="02000506030000020004"/>
+                <a:cs typeface="Proxima Nova" panose="02000506030000020004"/>
+                <a:sym typeface="Proxima Nova" panose="02000506030000020004"/>
+              </a:defRPr>
+            </a:lvl1pPr>
+            <a:lvl2pPr marR="0" lvl="1" algn="l" rtl="0">
+              <a:lnSpc>
+                <a:spcPct val="100000"/>
+              </a:lnSpc>
+              <a:spcBef>
+                <a:spcPts val="0"/>
+              </a:spcBef>
+              <a:spcAft>
+                <a:spcPts val="0"/>
+              </a:spcAft>
+              <a:buClr>
+                <a:schemeClr val="dk1"/>
+              </a:buClr>
+              <a:buSzPts val="2800"/>
+              <a:buFont typeface="Proxima Nova" panose="02000506030000020004"/>
+              <a:buNone/>
+              <a:defRPr sz="2800" b="0" i="0" u="none" strike="noStrike" cap="none">
+                <a:solidFill>
+                  <a:schemeClr val="dk1"/>
+                </a:solidFill>
+                <a:latin typeface="Proxima Nova" panose="02000506030000020004"/>
+                <a:ea typeface="Proxima Nova" panose="02000506030000020004"/>
+                <a:cs typeface="Proxima Nova" panose="02000506030000020004"/>
+                <a:sym typeface="Proxima Nova" panose="02000506030000020004"/>
+              </a:defRPr>
+            </a:lvl2pPr>
+            <a:lvl3pPr marR="0" lvl="2" algn="l" rtl="0">
+              <a:lnSpc>
+                <a:spcPct val="100000"/>
+              </a:lnSpc>
+              <a:spcBef>
+                <a:spcPts val="0"/>
+              </a:spcBef>
+              <a:spcAft>
+                <a:spcPts val="0"/>
+              </a:spcAft>
+              <a:buClr>
+                <a:schemeClr val="dk1"/>
+              </a:buClr>
+              <a:buSzPts val="2800"/>
+              <a:buFont typeface="Proxima Nova" panose="02000506030000020004"/>
+              <a:buNone/>
+              <a:defRPr sz="2800" b="0" i="0" u="none" strike="noStrike" cap="none">
+                <a:solidFill>
+                  <a:schemeClr val="dk1"/>
+                </a:solidFill>
+                <a:latin typeface="Proxima Nova" panose="02000506030000020004"/>
+                <a:ea typeface="Proxima Nova" panose="02000506030000020004"/>
+                <a:cs typeface="Proxima Nova" panose="02000506030000020004"/>
+                <a:sym typeface="Proxima Nova" panose="02000506030000020004"/>
+              </a:defRPr>
+            </a:lvl3pPr>
+            <a:lvl4pPr marR="0" lvl="3" algn="l" rtl="0">
+              <a:lnSpc>
+                <a:spcPct val="100000"/>
+              </a:lnSpc>
+              <a:spcBef>
+                <a:spcPts val="0"/>
+              </a:spcBef>
+              <a:spcAft>
+                <a:spcPts val="0"/>
+              </a:spcAft>
+              <a:buClr>
+                <a:schemeClr val="dk1"/>
+              </a:buClr>
+              <a:buSzPts val="2800"/>
+              <a:buFont typeface="Proxima Nova" panose="02000506030000020004"/>
+              <a:buNone/>
+              <a:defRPr sz="2800" b="0" i="0" u="none" strike="noStrike" cap="none">
+                <a:solidFill>
+                  <a:schemeClr val="dk1"/>
+                </a:solidFill>
+                <a:latin typeface="Proxima Nova" panose="02000506030000020004"/>
+                <a:ea typeface="Proxima Nova" panose="02000506030000020004"/>
+                <a:cs typeface="Proxima Nova" panose="02000506030000020004"/>
+                <a:sym typeface="Proxima Nova" panose="02000506030000020004"/>
+              </a:defRPr>
+            </a:lvl4pPr>
+            <a:lvl5pPr marR="0" lvl="4" algn="l" rtl="0">
+              <a:lnSpc>
+                <a:spcPct val="100000"/>
+              </a:lnSpc>
+              <a:spcBef>
+                <a:spcPts val="0"/>
+              </a:spcBef>
+              <a:spcAft>
+                <a:spcPts val="0"/>
+              </a:spcAft>
+              <a:buClr>
+                <a:schemeClr val="dk1"/>
+              </a:buClr>
+              <a:buSzPts val="2800"/>
+              <a:buFont typeface="Proxima Nova" panose="02000506030000020004"/>
+              <a:buNone/>
+              <a:defRPr sz="2800" b="0" i="0" u="none" strike="noStrike" cap="none">
+                <a:solidFill>
+                  <a:schemeClr val="dk1"/>
+                </a:solidFill>
+                <a:latin typeface="Proxima Nova" panose="02000506030000020004"/>
+                <a:ea typeface="Proxima Nova" panose="02000506030000020004"/>
+                <a:cs typeface="Proxima Nova" panose="02000506030000020004"/>
+                <a:sym typeface="Proxima Nova" panose="02000506030000020004"/>
+              </a:defRPr>
+            </a:lvl5pPr>
+            <a:lvl6pPr marR="0" lvl="5" algn="l" rtl="0">
+              <a:lnSpc>
+                <a:spcPct val="100000"/>
+              </a:lnSpc>
+              <a:spcBef>
+                <a:spcPts val="0"/>
+              </a:spcBef>
+              <a:spcAft>
+                <a:spcPts val="0"/>
+              </a:spcAft>
+              <a:buClr>
+                <a:schemeClr val="dk1"/>
+              </a:buClr>
+              <a:buSzPts val="2800"/>
+              <a:buFont typeface="Proxima Nova" panose="02000506030000020004"/>
+              <a:buNone/>
+              <a:defRPr sz="2800" b="0" i="0" u="none" strike="noStrike" cap="none">
+                <a:solidFill>
+                  <a:schemeClr val="dk1"/>
+                </a:solidFill>
+                <a:latin typeface="Proxima Nova" panose="02000506030000020004"/>
+                <a:ea typeface="Proxima Nova" panose="02000506030000020004"/>
+                <a:cs typeface="Proxima Nova" panose="02000506030000020004"/>
+                <a:sym typeface="Proxima Nova" panose="02000506030000020004"/>
+              </a:defRPr>
+            </a:lvl6pPr>
+            <a:lvl7pPr marR="0" lvl="6" algn="l" rtl="0">
+              <a:lnSpc>
+                <a:spcPct val="100000"/>
+              </a:lnSpc>
+              <a:spcBef>
+                <a:spcPts val="0"/>
+              </a:spcBef>
+              <a:spcAft>
+                <a:spcPts val="0"/>
+              </a:spcAft>
+              <a:buClr>
+                <a:schemeClr val="dk1"/>
+              </a:buClr>
+              <a:buSzPts val="2800"/>
+              <a:buFont typeface="Proxima Nova" panose="02000506030000020004"/>
+              <a:buNone/>
+              <a:defRPr sz="2800" b="0" i="0" u="none" strike="noStrike" cap="none">
+                <a:solidFill>
+                  <a:schemeClr val="dk1"/>
+                </a:solidFill>
+                <a:latin typeface="Proxima Nova" panose="02000506030000020004"/>
+                <a:ea typeface="Proxima Nova" panose="02000506030000020004"/>
+                <a:cs typeface="Proxima Nova" panose="02000506030000020004"/>
+                <a:sym typeface="Proxima Nova" panose="02000506030000020004"/>
+              </a:defRPr>
+            </a:lvl7pPr>
+            <a:lvl8pPr marR="0" lvl="7" algn="l" rtl="0">
+              <a:lnSpc>
+                <a:spcPct val="100000"/>
+              </a:lnSpc>
+              <a:spcBef>
+                <a:spcPts val="0"/>
+              </a:spcBef>
+              <a:spcAft>
+                <a:spcPts val="0"/>
+              </a:spcAft>
+              <a:buClr>
+                <a:schemeClr val="dk1"/>
+              </a:buClr>
+              <a:buSzPts val="2800"/>
+              <a:buFont typeface="Proxima Nova" panose="02000506030000020004"/>
+              <a:buNone/>
+              <a:defRPr sz="2800" b="0" i="0" u="none" strike="noStrike" cap="none">
+                <a:solidFill>
+                  <a:schemeClr val="dk1"/>
+                </a:solidFill>
+                <a:latin typeface="Proxima Nova" panose="02000506030000020004"/>
+                <a:ea typeface="Proxima Nova" panose="02000506030000020004"/>
+                <a:cs typeface="Proxima Nova" panose="02000506030000020004"/>
+                <a:sym typeface="Proxima Nova" panose="02000506030000020004"/>
+              </a:defRPr>
+            </a:lvl8pPr>
+            <a:lvl9pPr marR="0" lvl="8" algn="l" rtl="0">
+              <a:lnSpc>
+                <a:spcPct val="100000"/>
+              </a:lnSpc>
+              <a:spcBef>
+                <a:spcPts val="0"/>
+              </a:spcBef>
+              <a:spcAft>
+                <a:spcPts val="0"/>
+              </a:spcAft>
+              <a:buClr>
+                <a:schemeClr val="dk1"/>
+              </a:buClr>
+              <a:buSzPts val="2800"/>
+              <a:buFont typeface="Proxima Nova" panose="02000506030000020004"/>
+              <a:buNone/>
+              <a:defRPr sz="2800" b="0" i="0" u="none" strike="noStrike" cap="none">
+                <a:solidFill>
+                  <a:schemeClr val="dk1"/>
+                </a:solidFill>
+                <a:latin typeface="Proxima Nova" panose="02000506030000020004"/>
+                <a:ea typeface="Proxima Nova" panose="02000506030000020004"/>
+                <a:cs typeface="Proxima Nova" panose="02000506030000020004"/>
+                <a:sym typeface="Proxima Nova" panose="02000506030000020004"/>
+              </a:defRPr>
+            </a:lvl9pPr>
+          </a:lstStyle>
           <a:p>
             <a:pPr marL="0" lvl="0" indent="0" algn="l" rtl="0">
-              <a:lnSpc>
-                <a:spcPct val="150000"/>
-              </a:lnSpc>
-              <a:spcBef>
-                <a:spcPts val="0"/>
-              </a:spcBef>
-              <a:spcAft>
-                <a:spcPts val="1200"/>
+              <a:spcBef>
+                <a:spcPts val="0"/>
+              </a:spcBef>
+              <a:spcAft>
+                <a:spcPts val="0"/>
               </a:spcAft>
               <a:buNone/>
             </a:pPr>
             <a:r>
-              <a:rPr lang="en-GB" sz="1200">
-                <a:latin typeface="Work Sans"/>
-                <a:ea typeface="Work Sans"/>
-                <a:cs typeface="Work Sans"/>
-                <a:sym typeface="Work Sans"/>
-              </a:rPr>
-              <a:t>This imbalance caught the team's attention. The team hypothesized that there would be problems with the accuracy of the models.</a:t>
-            </a:r>
-            <a:endParaRPr sz="1200">
-              <a:latin typeface="Work Sans"/>
-              <a:ea typeface="Work Sans"/>
-              <a:cs typeface="Work Sans"/>
-              <a:sym typeface="Work Sans"/>
+              <a:rPr lang="en-US">
+                <a:latin typeface="Raleway"/>
+                <a:ea typeface="Raleway"/>
+                <a:cs typeface="Raleway"/>
+                <a:sym typeface="Raleway"/>
+              </a:rPr>
+              <a:t>Let’s see more in tableau!</a:t>
+            </a:r>
+            <a:endParaRPr lang="en-US">
+              <a:latin typeface="Raleway"/>
+              <a:ea typeface="Raleway"/>
+              <a:cs typeface="Raleway"/>
+              <a:sym typeface="Raleway"/>
             </a:endParaRPr>
           </a:p>
         </p:txBody>
       </p:sp>
       <p:pic>
         <p:nvPicPr>
-          <p:cNvPr id="125" name="Google Shape;125;p21"/>
-          <p:cNvPicPr preferRelativeResize="0"/>
+          <p:cNvPr id="100" name="Picture 99"/>
+          <p:cNvPicPr/>
           <p:nvPr/>
         </p:nvPicPr>
         <p:blipFill>
@@ -17825,77 +17230,18 @@
         </p:blipFill>
         <p:spPr>
           <a:xfrm>
-            <a:off x="1864300" y="1245688"/>
-            <a:ext cx="5415393" cy="3215825"/>
+            <a:off x="2260600" y="1437640"/>
+            <a:ext cx="4623435" cy="2422525"/>
           </a:xfrm>
           <a:prstGeom prst="rect">
             <a:avLst/>
           </a:prstGeom>
           <a:noFill/>
-          <a:ln>
+          <a:ln w="9525">
             <a:noFill/>
           </a:ln>
         </p:spPr>
       </p:pic>
-      <p:sp>
-        <p:nvSpPr>
-          <p:cNvPr id="126" name="Google Shape;126;p21"/>
-          <p:cNvSpPr txBox="1"/>
-          <p:nvPr>
-            <p:ph type="body" idx="1"/>
-          </p:nvPr>
-        </p:nvSpPr>
-        <p:spPr>
-          <a:xfrm>
-            <a:off x="3037525" y="834388"/>
-            <a:ext cx="3382200" cy="411300"/>
-          </a:xfrm>
-          <a:prstGeom prst="rect">
-            <a:avLst/>
-          </a:prstGeom>
-          <a:solidFill>
-            <a:schemeClr val="lt2"/>
-          </a:solidFill>
-        </p:spPr>
-        <p:txBody>
-          <a:bodyPr spcFirstLastPara="1" wrap="square" lIns="91425" tIns="91425" rIns="91425" bIns="91425" anchor="t" anchorCtr="0">
-            <a:normAutofit/>
-          </a:bodyPr>
-          <a:lstStyle/>
-          <a:p>
-            <a:pPr marL="0" lvl="0" indent="0" algn="l" rtl="0">
-              <a:spcBef>
-                <a:spcPts val="0"/>
-              </a:spcBef>
-              <a:spcAft>
-                <a:spcPts val="1200"/>
-              </a:spcAft>
-              <a:buNone/>
-            </a:pPr>
-            <a:r>
-              <a:rPr lang="en-GB" sz="1200">
-                <a:solidFill>
-                  <a:schemeClr val="lt1"/>
-                </a:solidFill>
-                <a:latin typeface="Work Sans"/>
-                <a:ea typeface="Work Sans"/>
-                <a:cs typeface="Work Sans"/>
-                <a:sym typeface="Work Sans"/>
-              </a:rPr>
-              <a:t>Countplot of accepted and rejected offers</a:t>
-            </a:r>
-            <a:endParaRPr sz="1200">
-              <a:solidFill>
-                <a:schemeClr val="lt1"/>
-              </a:solidFill>
-              <a:latin typeface="Work Sans"/>
-              <a:ea typeface="Work Sans"/>
-              <a:cs typeface="Work Sans"/>
-              <a:sym typeface="Work Sans"/>
-            </a:endParaRPr>
-          </a:p>
-        </p:txBody>
-      </p:sp>
     </p:spTree>
   </p:cSld>
   <p:clrMapOvr>
@@ -17921,6 +17267,30 @@
           <a:chExt cx="0" cy="0"/>
         </a:xfrm>
       </p:grpSpPr>
+      <p:pic>
+        <p:nvPicPr>
+          <p:cNvPr id="1" name="Picture 0"/>
+          <p:cNvPicPr>
+            <a:picLocks noChangeAspect="1"/>
+          </p:cNvPicPr>
+          <p:nvPr/>
+        </p:nvPicPr>
+        <p:blipFill>
+          <a:blip r:embed="rId1"/>
+          <a:stretch>
+            <a:fillRect/>
+          </a:stretch>
+        </p:blipFill>
+        <p:spPr>
+          <a:xfrm>
+            <a:off x="607695" y="690245"/>
+            <a:ext cx="5033010" cy="3763010"/>
+          </a:xfrm>
+          <a:prstGeom prst="rect">
+            <a:avLst/>
+          </a:prstGeom>
+        </p:spPr>
+      </p:pic>
       <p:sp>
         <p:nvSpPr>
           <p:cNvPr id="131" name="Google Shape;131;p22"/>
@@ -17986,32 +17356,6 @@
           </a:p>
         </p:txBody>
       </p:sp>
-      <p:pic>
-        <p:nvPicPr>
-          <p:cNvPr id="132" name="Google Shape;132;p22"/>
-          <p:cNvPicPr preferRelativeResize="0"/>
-          <p:nvPr/>
-        </p:nvPicPr>
-        <p:blipFill>
-          <a:blip r:embed="rId1"/>
-          <a:stretch>
-            <a:fillRect/>
-          </a:stretch>
-        </p:blipFill>
-        <p:spPr>
-          <a:xfrm>
-            <a:off x="1882050" y="896125"/>
-            <a:ext cx="5379900" cy="4072651"/>
-          </a:xfrm>
-          <a:prstGeom prst="rect">
-            <a:avLst/>
-          </a:prstGeom>
-          <a:noFill/>
-          <a:ln>
-            <a:noFill/>
-          </a:ln>
-        </p:spPr>
-      </p:pic>
       <p:sp>
         <p:nvSpPr>
           <p:cNvPr id="133" name="Google Shape;133;p22"/>
@@ -18022,7 +17366,7 @@
         </p:nvSpPr>
         <p:spPr>
           <a:xfrm>
-            <a:off x="3781025" y="896125"/>
+            <a:off x="5846045" y="607200"/>
             <a:ext cx="1852200" cy="395700"/>
           </a:xfrm>
           <a:prstGeom prst="rect">
@@ -18079,8 +17423,8 @@
         </p:nvSpPr>
         <p:spPr>
           <a:xfrm>
-            <a:off x="4420625" y="2655825"/>
-            <a:ext cx="1837500" cy="1487100"/>
+            <a:off x="3552190" y="2761615"/>
+            <a:ext cx="892810" cy="695325"/>
           </a:xfrm>
           <a:prstGeom prst="rect">
             <a:avLst/>
@@ -18114,6 +17458,30 @@
           </a:p>
         </p:txBody>
       </p:sp>
+      <p:pic>
+        <p:nvPicPr>
+          <p:cNvPr id="2" name="Picture 1"/>
+          <p:cNvPicPr>
+            <a:picLocks noChangeAspect="1"/>
+          </p:cNvPicPr>
+          <p:nvPr/>
+        </p:nvPicPr>
+        <p:blipFill>
+          <a:blip r:embed="rId2"/>
+          <a:stretch>
+            <a:fillRect/>
+          </a:stretch>
+        </p:blipFill>
+        <p:spPr>
+          <a:xfrm>
+            <a:off x="5998845" y="1329690"/>
+            <a:ext cx="2495550" cy="2209800"/>
+          </a:xfrm>
+          <a:prstGeom prst="rect">
+            <a:avLst/>
+          </a:prstGeom>
+        </p:spPr>
+      </p:pic>
     </p:spTree>
   </p:cSld>
   <p:clrMapOvr>
